--- a/Angular & type script/Angular.pptx
+++ b/Angular & type script/Angular.pptx
@@ -15,8 +15,14 @@
     <p:sldId id="261" r:id="rId9"/>
     <p:sldId id="262" r:id="rId10"/>
     <p:sldId id="263" r:id="rId11"/>
-    <p:sldId id="264" r:id="rId12"/>
-    <p:sldId id="267" r:id="rId13"/>
+    <p:sldId id="267" r:id="rId12"/>
+    <p:sldId id="264" r:id="rId13"/>
+    <p:sldId id="270" r:id="rId14"/>
+    <p:sldId id="271" r:id="rId15"/>
+    <p:sldId id="272" r:id="rId16"/>
+    <p:sldId id="273" r:id="rId17"/>
+    <p:sldId id="269" r:id="rId18"/>
+    <p:sldId id="268" r:id="rId19"/>
   </p:sldIdLst>
   <p:sldSz cx="12192000" cy="6858000"/>
   <p:notesSz cx="6858000" cy="9144000"/>
@@ -308,7 +314,7 @@
           <a:p>
             <a:fld id="{BFD97FD3-0E3C-4940-AC08-248FE3BAAF7F}" type="datetimeFigureOut">
               <a:rPr lang="en-US" smtClean="0"/>
-              <a:t>1/31/2026</a:t>
+              <a:t>2/5/2026</a:t>
             </a:fld>
             <a:endParaRPr lang="en-US"/>
           </a:p>
@@ -606,7 +612,7 @@
           <a:p>
             <a:fld id="{BFD97FD3-0E3C-4940-AC08-248FE3BAAF7F}" type="datetimeFigureOut">
               <a:rPr lang="en-US" smtClean="0"/>
-              <a:t>1/31/2026</a:t>
+              <a:t>2/5/2026</a:t>
             </a:fld>
             <a:endParaRPr lang="en-US"/>
           </a:p>
@@ -798,7 +804,7 @@
           <a:p>
             <a:fld id="{BFD97FD3-0E3C-4940-AC08-248FE3BAAF7F}" type="datetimeFigureOut">
               <a:rPr lang="en-US" smtClean="0"/>
-              <a:t>1/31/2026</a:t>
+              <a:t>2/5/2026</a:t>
             </a:fld>
             <a:endParaRPr lang="en-US"/>
           </a:p>
@@ -1059,7 +1065,7 @@
           <a:p>
             <a:fld id="{BFD97FD3-0E3C-4940-AC08-248FE3BAAF7F}" type="datetimeFigureOut">
               <a:rPr lang="en-US" smtClean="0"/>
-              <a:t>1/31/2026</a:t>
+              <a:t>2/5/2026</a:t>
             </a:fld>
             <a:endParaRPr lang="en-US"/>
           </a:p>
@@ -1483,7 +1489,7 @@
           <a:p>
             <a:fld id="{BFD97FD3-0E3C-4940-AC08-248FE3BAAF7F}" type="datetimeFigureOut">
               <a:rPr lang="en-US" smtClean="0"/>
-              <a:t>1/31/2026</a:t>
+              <a:t>2/5/2026</a:t>
             </a:fld>
             <a:endParaRPr lang="en-US"/>
           </a:p>
@@ -2020,7 +2026,7 @@
           <a:p>
             <a:fld id="{BFD97FD3-0E3C-4940-AC08-248FE3BAAF7F}" type="datetimeFigureOut">
               <a:rPr lang="en-US" smtClean="0"/>
-              <a:t>1/31/2026</a:t>
+              <a:t>2/5/2026</a:t>
             </a:fld>
             <a:endParaRPr lang="en-US"/>
           </a:p>
@@ -2884,7 +2890,7 @@
           <a:p>
             <a:fld id="{BFD97FD3-0E3C-4940-AC08-248FE3BAAF7F}" type="datetimeFigureOut">
               <a:rPr lang="en-US" smtClean="0"/>
-              <a:t>1/31/2026</a:t>
+              <a:t>2/5/2026</a:t>
             </a:fld>
             <a:endParaRPr lang="en-US"/>
           </a:p>
@@ -3054,7 +3060,7 @@
           <a:p>
             <a:fld id="{BFD97FD3-0E3C-4940-AC08-248FE3BAAF7F}" type="datetimeFigureOut">
               <a:rPr lang="en-US" smtClean="0"/>
-              <a:t>1/31/2026</a:t>
+              <a:t>2/5/2026</a:t>
             </a:fld>
             <a:endParaRPr lang="en-US"/>
           </a:p>
@@ -3238,7 +3244,7 @@
           <a:p>
             <a:fld id="{BFD97FD3-0E3C-4940-AC08-248FE3BAAF7F}" type="datetimeFigureOut">
               <a:rPr lang="en-US" smtClean="0"/>
-              <a:t>1/31/2026</a:t>
+              <a:t>2/5/2026</a:t>
             </a:fld>
             <a:endParaRPr lang="en-US"/>
           </a:p>
@@ -3408,7 +3414,7 @@
           <a:p>
             <a:fld id="{BFD97FD3-0E3C-4940-AC08-248FE3BAAF7F}" type="datetimeFigureOut">
               <a:rPr lang="en-US" smtClean="0"/>
-              <a:t>1/31/2026</a:t>
+              <a:t>2/5/2026</a:t>
             </a:fld>
             <a:endParaRPr lang="en-US"/>
           </a:p>
@@ -3652,7 +3658,7 @@
           <a:p>
             <a:fld id="{BFD97FD3-0E3C-4940-AC08-248FE3BAAF7F}" type="datetimeFigureOut">
               <a:rPr lang="en-US" smtClean="0"/>
-              <a:t>1/31/2026</a:t>
+              <a:t>2/5/2026</a:t>
             </a:fld>
             <a:endParaRPr lang="en-US"/>
           </a:p>
@@ -3888,7 +3894,7 @@
           <a:p>
             <a:fld id="{BFD97FD3-0E3C-4940-AC08-248FE3BAAF7F}" type="datetimeFigureOut">
               <a:rPr lang="en-US" smtClean="0"/>
-              <a:t>1/31/2026</a:t>
+              <a:t>2/5/2026</a:t>
             </a:fld>
             <a:endParaRPr lang="en-US"/>
           </a:p>
@@ -4354,7 +4360,7 @@
           <a:p>
             <a:fld id="{BFD97FD3-0E3C-4940-AC08-248FE3BAAF7F}" type="datetimeFigureOut">
               <a:rPr lang="en-US" smtClean="0"/>
-              <a:t>1/31/2026</a:t>
+              <a:t>2/5/2026</a:t>
             </a:fld>
             <a:endParaRPr lang="en-US"/>
           </a:p>
@@ -4472,7 +4478,7 @@
           <a:p>
             <a:fld id="{BFD97FD3-0E3C-4940-AC08-248FE3BAAF7F}" type="datetimeFigureOut">
               <a:rPr lang="en-US" smtClean="0"/>
-              <a:t>1/31/2026</a:t>
+              <a:t>2/5/2026</a:t>
             </a:fld>
             <a:endParaRPr lang="en-US"/>
           </a:p>
@@ -4567,7 +4573,7 @@
           <a:p>
             <a:fld id="{BFD97FD3-0E3C-4940-AC08-248FE3BAAF7F}" type="datetimeFigureOut">
               <a:rPr lang="en-US" smtClean="0"/>
-              <a:t>1/31/2026</a:t>
+              <a:t>2/5/2026</a:t>
             </a:fld>
             <a:endParaRPr lang="en-US"/>
           </a:p>
@@ -4822,7 +4828,7 @@
           <a:p>
             <a:fld id="{BFD97FD3-0E3C-4940-AC08-248FE3BAAF7F}" type="datetimeFigureOut">
               <a:rPr lang="en-US" smtClean="0"/>
-              <a:t>1/31/2026</a:t>
+              <a:t>2/5/2026</a:t>
             </a:fld>
             <a:endParaRPr lang="en-US"/>
           </a:p>
@@ -5122,7 +5128,7 @@
           <a:p>
             <a:fld id="{BFD97FD3-0E3C-4940-AC08-248FE3BAAF7F}" type="datetimeFigureOut">
               <a:rPr lang="en-US" smtClean="0"/>
-              <a:t>1/31/2026</a:t>
+              <a:t>2/5/2026</a:t>
             </a:fld>
             <a:endParaRPr lang="en-US"/>
           </a:p>
@@ -5356,7 +5362,7 @@
           <a:p>
             <a:fld id="{BFD97FD3-0E3C-4940-AC08-248FE3BAAF7F}" type="datetimeFigureOut">
               <a:rPr lang="en-US" smtClean="0"/>
-              <a:t>1/31/2026</a:t>
+              <a:t>2/5/2026</a:t>
             </a:fld>
             <a:endParaRPr lang="en-US"/>
           </a:p>
@@ -6053,7 +6059,7 @@
           <a:p>
             <a:r>
               <a:rPr lang="en-US" dirty="0"/>
-              <a:t>Angular</a:t>
+              <a:t>Angular &amp; TypeScript</a:t>
             </a:r>
           </a:p>
         </p:txBody>
@@ -6150,7 +6156,7 @@
                   <a:srgbClr val="FF0000"/>
                 </a:solidFill>
               </a:rPr>
-              <a:t>routerLinkActiveOption</a:t>
+              <a:t>routerLinkActiveOptions</a:t>
             </a:r>
             <a:endParaRPr lang="en-US" dirty="0"/>
           </a:p>
@@ -6371,7 +6377,7 @@
           <p:cNvPr id="2" name="Title 1">
             <a:extLst>
               <a:ext uri="{FF2B5EF4-FFF2-40B4-BE49-F238E27FC236}">
-                <a16:creationId xmlns:a16="http://schemas.microsoft.com/office/drawing/2014/main" id="{9AB8FB81-CAF0-BEDE-05F1-96E505B87CE7}"/>
+                <a16:creationId xmlns:a16="http://schemas.microsoft.com/office/drawing/2014/main" id="{C38291A9-D68F-593A-1138-70C5711B2DE2}"/>
               </a:ext>
             </a:extLst>
           </p:cNvPr>
@@ -6393,14 +6399,9 @@
           <a:lstStyle/>
           <a:p>
             <a:r>
-              <a:rPr lang="en-US" b="1" dirty="0" err="1">
-                <a:solidFill>
-                  <a:srgbClr val="FF0000"/>
-                </a:solidFill>
-              </a:rPr>
-              <a:t>routerLinkActiveOption</a:t>
-            </a:r>
-            <a:endParaRPr lang="en-US" dirty="0"/>
+              <a:rPr lang="en-US" dirty="0"/>
+              <a:t>Router outlet</a:t>
+            </a:r>
           </a:p>
         </p:txBody>
       </p:sp>
@@ -6409,7 +6410,7 @@
           <p:cNvPr id="3" name="Content Placeholder 2">
             <a:extLst>
               <a:ext uri="{FF2B5EF4-FFF2-40B4-BE49-F238E27FC236}">
-                <a16:creationId xmlns:a16="http://schemas.microsoft.com/office/drawing/2014/main" id="{8D14B1D5-538A-EA13-52C2-4F04C8BE9298}"/>
+                <a16:creationId xmlns:a16="http://schemas.microsoft.com/office/drawing/2014/main" id="{30C2FC2D-1F50-F2D6-CA80-6F4001707B64}"/>
               </a:ext>
             </a:extLst>
           </p:cNvPr>
@@ -6422,8 +6423,8 @@
         </p:nvSpPr>
         <p:spPr>
           <a:xfrm>
-            <a:off x="913795" y="970451"/>
-            <a:ext cx="10353762" cy="4820750"/>
+            <a:off x="120580" y="970451"/>
+            <a:ext cx="11635991" cy="5681558"/>
           </a:xfrm>
         </p:spPr>
         <p:txBody>
@@ -6432,42 +6433,75 @@
           <a:p>
             <a:r>
               <a:rPr lang="en-US" dirty="0"/>
-              <a:t>Interpolation</a:t>
-            </a:r>
-          </a:p>
-          <a:p>
-            <a:r>
-              <a:rPr lang="en-US" dirty="0"/>
-              <a:t>attribute (property) binding</a:t>
-            </a:r>
-          </a:p>
-          <a:p>
-            <a:r>
-              <a:rPr lang="en-US" dirty="0"/>
-              <a:t>class binding</a:t>
-            </a:r>
-          </a:p>
-          <a:p>
-            <a:r>
-              <a:rPr lang="en-US" dirty="0"/>
-              <a:t>style binding</a:t>
-            </a:r>
-          </a:p>
-          <a:p>
-            <a:r>
-              <a:rPr lang="en-US" dirty="0"/>
-              <a:t>Event Binding</a:t>
-            </a:r>
-          </a:p>
-          <a:p>
-            <a:endParaRPr lang="en-US" dirty="0"/>
-          </a:p>
-        </p:txBody>
-      </p:sp>
+              <a:t>In this example we have sidebar(dashboard) component // existed at layouts/dashboard </a:t>
+            </a:r>
+          </a:p>
+        </p:txBody>
+      </p:sp>
+      <p:pic>
+        <p:nvPicPr>
+          <p:cNvPr id="5" name="Picture 4">
+            <a:extLst>
+              <a:ext uri="{FF2B5EF4-FFF2-40B4-BE49-F238E27FC236}">
+                <a16:creationId xmlns:a16="http://schemas.microsoft.com/office/drawing/2014/main" id="{09135703-096A-213A-39E5-64F8AD98444D}"/>
+              </a:ext>
+            </a:extLst>
+          </p:cNvPr>
+          <p:cNvPicPr>
+            <a:picLocks noChangeAspect="1"/>
+          </p:cNvPicPr>
+          <p:nvPr/>
+        </p:nvPicPr>
+        <p:blipFill>
+          <a:blip r:embed="rId2"/>
+          <a:stretch>
+            <a:fillRect/>
+          </a:stretch>
+        </p:blipFill>
+        <p:spPr>
+          <a:xfrm>
+            <a:off x="355251" y="1382872"/>
+            <a:ext cx="3568700" cy="573541"/>
+          </a:xfrm>
+          <a:prstGeom prst="rect">
+            <a:avLst/>
+          </a:prstGeom>
+        </p:spPr>
+      </p:pic>
+      <p:pic>
+        <p:nvPicPr>
+          <p:cNvPr id="7" name="Picture 6">
+            <a:extLst>
+              <a:ext uri="{FF2B5EF4-FFF2-40B4-BE49-F238E27FC236}">
+                <a16:creationId xmlns:a16="http://schemas.microsoft.com/office/drawing/2014/main" id="{F3632FE0-BBF0-41EE-5F36-135295B69C9A}"/>
+              </a:ext>
+            </a:extLst>
+          </p:cNvPr>
+          <p:cNvPicPr>
+            <a:picLocks noChangeAspect="1"/>
+          </p:cNvPicPr>
+          <p:nvPr/>
+        </p:nvPicPr>
+        <p:blipFill>
+          <a:blip r:embed="rId3"/>
+          <a:stretch>
+            <a:fillRect/>
+          </a:stretch>
+        </p:blipFill>
+        <p:spPr>
+          <a:xfrm>
+            <a:off x="355251" y="1956417"/>
+            <a:ext cx="10755201" cy="3048202"/>
+          </a:xfrm>
+          <a:prstGeom prst="rect">
+            <a:avLst/>
+          </a:prstGeom>
+        </p:spPr>
+      </p:pic>
     </p:spTree>
     <p:extLst>
       <p:ext uri="{BB962C8B-B14F-4D97-AF65-F5344CB8AC3E}">
-        <p14:creationId xmlns:p14="http://schemas.microsoft.com/office/powerpoint/2010/main" val="3085219961"/>
+        <p14:creationId xmlns:p14="http://schemas.microsoft.com/office/powerpoint/2010/main" val="608228892"/>
       </p:ext>
     </p:extLst>
   </p:cSld>
@@ -6499,7 +6533,7 @@
           <p:cNvPr id="2" name="Title 1">
             <a:extLst>
               <a:ext uri="{FF2B5EF4-FFF2-40B4-BE49-F238E27FC236}">
-                <a16:creationId xmlns:a16="http://schemas.microsoft.com/office/drawing/2014/main" id="{C38291A9-D68F-593A-1138-70C5711B2DE2}"/>
+                <a16:creationId xmlns:a16="http://schemas.microsoft.com/office/drawing/2014/main" id="{9AB8FB81-CAF0-BEDE-05F1-96E505B87CE7}"/>
               </a:ext>
             </a:extLst>
           </p:cNvPr>
@@ -6517,13 +6551,20 @@
           </a:xfrm>
         </p:spPr>
         <p:txBody>
-          <a:bodyPr/>
-          <a:lstStyle/>
-          <a:p>
-            <a:r>
-              <a:rPr lang="en-US" dirty="0"/>
-              <a:t>Router outlet</a:t>
-            </a:r>
+          <a:bodyPr>
+            <a:normAutofit/>
+          </a:bodyPr>
+          <a:lstStyle/>
+          <a:p>
+            <a:r>
+              <a:rPr lang="en-US" sz="4400" b="1" dirty="0">
+                <a:solidFill>
+                  <a:srgbClr val="FF0000"/>
+                </a:solidFill>
+              </a:rPr>
+              <a:t>Binding</a:t>
+            </a:r>
+            <a:endParaRPr lang="en-US" sz="4400" dirty="0"/>
           </a:p>
         </p:txBody>
       </p:sp>
@@ -6532,7 +6573,7 @@
           <p:cNvPr id="3" name="Content Placeholder 2">
             <a:extLst>
               <a:ext uri="{FF2B5EF4-FFF2-40B4-BE49-F238E27FC236}">
-                <a16:creationId xmlns:a16="http://schemas.microsoft.com/office/drawing/2014/main" id="{30C2FC2D-1F50-F2D6-CA80-6F4001707B64}"/>
+                <a16:creationId xmlns:a16="http://schemas.microsoft.com/office/drawing/2014/main" id="{8D14B1D5-538A-EA13-52C2-4F04C8BE9298}"/>
               </a:ext>
             </a:extLst>
           </p:cNvPr>
@@ -6545,8 +6586,8 @@
         </p:nvSpPr>
         <p:spPr>
           <a:xfrm>
-            <a:off x="120580" y="970451"/>
-            <a:ext cx="11635991" cy="5681558"/>
+            <a:off x="698090" y="999946"/>
+            <a:ext cx="10776155" cy="5204207"/>
           </a:xfrm>
         </p:spPr>
         <p:txBody>
@@ -6554,18 +6595,344 @@
           <a:lstStyle/>
           <a:p>
             <a:r>
+              <a:rPr lang="en-US" b="1" dirty="0"/>
+              <a:t>Interpolation</a:t>
+            </a:r>
+          </a:p>
+          <a:p>
+            <a:r>
+              <a:rPr lang="en-US" b="1" dirty="0"/>
+              <a:t>attribute (property) binding</a:t>
+            </a:r>
+          </a:p>
+          <a:p>
+            <a:r>
+              <a:rPr lang="en-US" b="1" dirty="0"/>
+              <a:t>class binding</a:t>
+            </a:r>
+          </a:p>
+          <a:p>
+            <a:r>
+              <a:rPr lang="en-US" b="1" dirty="0"/>
+              <a:t>style binding</a:t>
+            </a:r>
+          </a:p>
+          <a:p>
+            <a:r>
+              <a:rPr lang="en-US" b="1" dirty="0"/>
+              <a:t>Event Binding</a:t>
+            </a:r>
+          </a:p>
+          <a:p>
+            <a:endParaRPr lang="en-US" dirty="0"/>
+          </a:p>
+        </p:txBody>
+      </p:sp>
+    </p:spTree>
+    <p:extLst>
+      <p:ext uri="{BB962C8B-B14F-4D97-AF65-F5344CB8AC3E}">
+        <p14:creationId xmlns:p14="http://schemas.microsoft.com/office/powerpoint/2010/main" val="3085219961"/>
+      </p:ext>
+    </p:extLst>
+  </p:cSld>
+  <p:clrMapOvr>
+    <a:masterClrMapping/>
+  </p:clrMapOvr>
+</p:sld>
+</file>
+
+<file path=ppt/slides/slide13.xml><?xml version="1.0" encoding="utf-8"?>
+<p:sld xmlns:a="http://schemas.openxmlformats.org/drawingml/2006/main" xmlns:r="http://schemas.openxmlformats.org/officeDocument/2006/relationships" xmlns:p="http://schemas.openxmlformats.org/presentationml/2006/main">
+  <p:cSld>
+    <p:spTree>
+      <p:nvGrpSpPr>
+        <p:cNvPr id="1" name=""/>
+        <p:cNvGrpSpPr/>
+        <p:nvPr/>
+      </p:nvGrpSpPr>
+      <p:grpSpPr>
+        <a:xfrm>
+          <a:off x="0" y="0"/>
+          <a:ext cx="0" cy="0"/>
+          <a:chOff x="0" y="0"/>
+          <a:chExt cx="0" cy="0"/>
+        </a:xfrm>
+      </p:grpSpPr>
+      <p:sp>
+        <p:nvSpPr>
+          <p:cNvPr id="2" name="Title 1">
+            <a:extLst>
+              <a:ext uri="{FF2B5EF4-FFF2-40B4-BE49-F238E27FC236}">
+                <a16:creationId xmlns:a16="http://schemas.microsoft.com/office/drawing/2014/main" id="{52523F1A-83BC-D35C-BA4C-54902FC8580C}"/>
+              </a:ext>
+            </a:extLst>
+          </p:cNvPr>
+          <p:cNvSpPr>
+            <a:spLocks noGrp="1"/>
+          </p:cNvSpPr>
+          <p:nvPr>
+            <p:ph type="title"/>
+          </p:nvPr>
+        </p:nvSpPr>
+        <p:spPr>
+          <a:xfrm>
+            <a:off x="913795" y="0"/>
+            <a:ext cx="10353762" cy="550606"/>
+          </a:xfrm>
+        </p:spPr>
+        <p:txBody>
+          <a:bodyPr>
+            <a:normAutofit fontScale="90000"/>
+          </a:bodyPr>
+          <a:lstStyle/>
+          <a:p>
+            <a:r>
               <a:rPr lang="en-US" dirty="0"/>
-              <a:t>In this example we have sidebar(dashboard) // layouts/dashboard</a:t>
+              <a:t>Observable</a:t>
+            </a:r>
+          </a:p>
+        </p:txBody>
+      </p:sp>
+      <p:sp>
+        <p:nvSpPr>
+          <p:cNvPr id="3" name="Content Placeholder 2">
+            <a:extLst>
+              <a:ext uri="{FF2B5EF4-FFF2-40B4-BE49-F238E27FC236}">
+                <a16:creationId xmlns:a16="http://schemas.microsoft.com/office/drawing/2014/main" id="{58733B1E-E103-C154-025F-8F7D67B2F01E}"/>
+              </a:ext>
+            </a:extLst>
+          </p:cNvPr>
+          <p:cNvSpPr>
+            <a:spLocks noGrp="1"/>
+          </p:cNvSpPr>
+          <p:nvPr>
+            <p:ph idx="1"/>
+          </p:nvPr>
+        </p:nvSpPr>
+        <p:spPr>
+          <a:xfrm>
+            <a:off x="363794" y="550607"/>
+            <a:ext cx="11415251" cy="5978012"/>
+          </a:xfrm>
+        </p:spPr>
+        <p:txBody>
+          <a:bodyPr/>
+          <a:lstStyle/>
+          <a:p>
+            <a:r>
+              <a:rPr lang="en-US" dirty="0"/>
+              <a:t>it is used to handle (manage) asynchronous operations</a:t>
+            </a:r>
+          </a:p>
+          <a:p>
+            <a:r>
+              <a:rPr lang="en-US" dirty="0"/>
+              <a:t>Emits multiple values over time (better for data streaming) (data producer)</a:t>
+            </a:r>
+          </a:p>
+          <a:p>
+            <a:r>
+              <a:rPr lang="en-US" dirty="0"/>
+              <a:t>Lazy (executed when subscribed).</a:t>
+            </a:r>
+          </a:p>
+          <a:p>
+            <a:r>
+              <a:rPr lang="en-US" dirty="0"/>
+              <a:t>Can be canceled (by unsubscribing).</a:t>
+            </a:r>
+          </a:p>
+          <a:p>
+            <a:r>
+              <a:rPr lang="en-US" dirty="0"/>
+              <a:t>Included in ReactiveX Library</a:t>
+            </a:r>
+          </a:p>
+          <a:p>
+            <a:r>
+              <a:rPr lang="en-US" dirty="0">
+                <a:effectLst/>
+              </a:rPr>
+              <a:t>A stream of data or events (like news) that can be sent over time.</a:t>
+            </a:r>
+            <a:endParaRPr lang="en-US" dirty="0"/>
+          </a:p>
+        </p:txBody>
+      </p:sp>
+    </p:spTree>
+    <p:extLst>
+      <p:ext uri="{BB962C8B-B14F-4D97-AF65-F5344CB8AC3E}">
+        <p14:creationId xmlns:p14="http://schemas.microsoft.com/office/powerpoint/2010/main" val="1335119381"/>
+      </p:ext>
+    </p:extLst>
+  </p:cSld>
+  <p:clrMapOvr>
+    <a:masterClrMapping/>
+  </p:clrMapOvr>
+</p:sld>
+</file>
+
+<file path=ppt/slides/slide14.xml><?xml version="1.0" encoding="utf-8"?>
+<p:sld xmlns:a="http://schemas.openxmlformats.org/drawingml/2006/main" xmlns:r="http://schemas.openxmlformats.org/officeDocument/2006/relationships" xmlns:p="http://schemas.openxmlformats.org/presentationml/2006/main">
+  <p:cSld>
+    <p:spTree>
+      <p:nvGrpSpPr>
+        <p:cNvPr id="1" name=""/>
+        <p:cNvGrpSpPr/>
+        <p:nvPr/>
+      </p:nvGrpSpPr>
+      <p:grpSpPr>
+        <a:xfrm>
+          <a:off x="0" y="0"/>
+          <a:ext cx="0" cy="0"/>
+          <a:chOff x="0" y="0"/>
+          <a:chExt cx="0" cy="0"/>
+        </a:xfrm>
+      </p:grpSpPr>
+      <p:sp>
+        <p:nvSpPr>
+          <p:cNvPr id="2" name="Title 1">
+            <a:extLst>
+              <a:ext uri="{FF2B5EF4-FFF2-40B4-BE49-F238E27FC236}">
+                <a16:creationId xmlns:a16="http://schemas.microsoft.com/office/drawing/2014/main" id="{7199BF36-BBE9-F3EC-68D8-A0C569DEBD00}"/>
+              </a:ext>
+            </a:extLst>
+          </p:cNvPr>
+          <p:cNvSpPr>
+            <a:spLocks noGrp="1"/>
+          </p:cNvSpPr>
+          <p:nvPr>
+            <p:ph type="title"/>
+          </p:nvPr>
+        </p:nvSpPr>
+        <p:spPr>
+          <a:xfrm>
+            <a:off x="913795" y="0"/>
+            <a:ext cx="10353762" cy="599768"/>
+          </a:xfrm>
+        </p:spPr>
+        <p:txBody>
+          <a:bodyPr>
+            <a:normAutofit fontScale="90000"/>
+          </a:bodyPr>
+          <a:lstStyle/>
+          <a:p>
+            <a:r>
+              <a:rPr lang="en-US" b="1" dirty="0">
+                <a:solidFill>
+                  <a:srgbClr val="FF0000"/>
+                </a:solidFill>
+              </a:rPr>
+              <a:t>Observer</a:t>
+            </a:r>
+          </a:p>
+        </p:txBody>
+      </p:sp>
+      <p:sp>
+        <p:nvSpPr>
+          <p:cNvPr id="3" name="Content Placeholder 2">
+            <a:extLst>
+              <a:ext uri="{FF2B5EF4-FFF2-40B4-BE49-F238E27FC236}">
+                <a16:creationId xmlns:a16="http://schemas.microsoft.com/office/drawing/2014/main" id="{F096FE41-5DF8-3B8A-99CF-C4F98A20037C}"/>
+              </a:ext>
+            </a:extLst>
+          </p:cNvPr>
+          <p:cNvSpPr>
+            <a:spLocks noGrp="1"/>
+          </p:cNvSpPr>
+          <p:nvPr>
+            <p:ph idx="1"/>
+          </p:nvPr>
+        </p:nvSpPr>
+        <p:spPr>
+          <a:xfrm>
+            <a:off x="324464" y="599769"/>
+            <a:ext cx="11641393" cy="5997676"/>
+          </a:xfrm>
+        </p:spPr>
+        <p:txBody>
+          <a:bodyPr/>
+          <a:lstStyle/>
+          <a:p>
+            <a:r>
+              <a:rPr lang="en-US" dirty="0">
+                <a:effectLst/>
+              </a:rPr>
+              <a:t>It is an object (or a set of callbacks) that defines </a:t>
+            </a:r>
+            <a:r>
+              <a:rPr lang="en-US" i="1" dirty="0">
+                <a:effectLst/>
+              </a:rPr>
+              <a:t>how</a:t>
+            </a:r>
+            <a:r>
+              <a:rPr lang="en-US" dirty="0">
+                <a:effectLst/>
+              </a:rPr>
+              <a:t> to handle the data coming from the Observable</a:t>
+            </a:r>
+            <a:endParaRPr lang="en-US" dirty="0"/>
+          </a:p>
+          <a:p>
+            <a:endParaRPr lang="en-US" dirty="0"/>
+          </a:p>
+          <a:p>
+            <a:endParaRPr lang="en-US" dirty="0"/>
+          </a:p>
+          <a:p>
+            <a:endParaRPr lang="en-US" dirty="0"/>
+          </a:p>
+          <a:p>
+            <a:endParaRPr lang="en-US" dirty="0"/>
+          </a:p>
+          <a:p>
+            <a:pPr marL="36900" indent="0">
+              <a:buNone/>
+            </a:pPr>
+            <a:endParaRPr lang="en-US" dirty="0"/>
+          </a:p>
+          <a:p>
+            <a:endParaRPr lang="en-US"/>
+          </a:p>
+          <a:p>
+            <a:r>
+              <a:rPr lang="en-US"/>
+              <a:t>The </a:t>
+            </a:r>
+            <a:r>
+              <a:rPr lang="en-US" dirty="0"/>
+              <a:t>object passed inside the </a:t>
+            </a:r>
+            <a:r>
+              <a:rPr lang="en-US" b="1" dirty="0">
+                <a:solidFill>
+                  <a:srgbClr val="FFFF00"/>
+                </a:solidFill>
+              </a:rPr>
+              <a:t>.subscribe()</a:t>
+            </a:r>
+            <a:r>
+              <a:rPr lang="en-US" dirty="0"/>
+              <a:t> method is the </a:t>
+            </a:r>
+            <a:r>
+              <a:rPr lang="en-US" b="1" dirty="0">
+                <a:solidFill>
+                  <a:srgbClr val="FFFF00"/>
+                </a:solidFill>
+              </a:rPr>
+              <a:t>Observer</a:t>
             </a:r>
           </a:p>
         </p:txBody>
       </p:sp>
       <p:pic>
         <p:nvPicPr>
-          <p:cNvPr id="5" name="Picture 4">
+          <p:cNvPr id="6" name="Picture 5">
             <a:extLst>
               <a:ext uri="{FF2B5EF4-FFF2-40B4-BE49-F238E27FC236}">
-                <a16:creationId xmlns:a16="http://schemas.microsoft.com/office/drawing/2014/main" id="{09135703-096A-213A-39E5-64F8AD98444D}"/>
+                <a16:creationId xmlns:a16="http://schemas.microsoft.com/office/drawing/2014/main" id="{2AE29D33-4B89-224D-D545-09A825300FF6}"/>
               </a:ext>
             </a:extLst>
           </p:cNvPr>
@@ -6582,12 +6949,257 @@
         </p:blipFill>
         <p:spPr>
           <a:xfrm>
-            <a:off x="355251" y="1382872"/>
-            <a:ext cx="3568700" cy="573541"/>
+            <a:off x="442450" y="1132787"/>
+            <a:ext cx="4827639" cy="2227387"/>
           </a:xfrm>
           <a:prstGeom prst="rect">
             <a:avLst/>
           </a:prstGeom>
+        </p:spPr>
+      </p:pic>
+    </p:spTree>
+    <p:extLst>
+      <p:ext uri="{BB962C8B-B14F-4D97-AF65-F5344CB8AC3E}">
+        <p14:creationId xmlns:p14="http://schemas.microsoft.com/office/powerpoint/2010/main" val="2360813891"/>
+      </p:ext>
+    </p:extLst>
+  </p:cSld>
+  <p:clrMapOvr>
+    <a:masterClrMapping/>
+  </p:clrMapOvr>
+</p:sld>
+</file>
+
+<file path=ppt/slides/slide15.xml><?xml version="1.0" encoding="utf-8"?>
+<p:sld xmlns:a="http://schemas.openxmlformats.org/drawingml/2006/main" xmlns:r="http://schemas.openxmlformats.org/officeDocument/2006/relationships" xmlns:p="http://schemas.openxmlformats.org/presentationml/2006/main">
+  <p:cSld>
+    <p:spTree>
+      <p:nvGrpSpPr>
+        <p:cNvPr id="1" name=""/>
+        <p:cNvGrpSpPr/>
+        <p:nvPr/>
+      </p:nvGrpSpPr>
+      <p:grpSpPr>
+        <a:xfrm>
+          <a:off x="0" y="0"/>
+          <a:ext cx="0" cy="0"/>
+          <a:chOff x="0" y="0"/>
+          <a:chExt cx="0" cy="0"/>
+        </a:xfrm>
+      </p:grpSpPr>
+      <p:sp>
+        <p:nvSpPr>
+          <p:cNvPr id="2" name="Title 1">
+            <a:extLst>
+              <a:ext uri="{FF2B5EF4-FFF2-40B4-BE49-F238E27FC236}">
+                <a16:creationId xmlns:a16="http://schemas.microsoft.com/office/drawing/2014/main" id="{EB00F302-55BD-6F9E-F1D9-C6B30B72D81B}"/>
+              </a:ext>
+            </a:extLst>
+          </p:cNvPr>
+          <p:cNvSpPr>
+            <a:spLocks noGrp="1"/>
+          </p:cNvSpPr>
+          <p:nvPr>
+            <p:ph type="title"/>
+          </p:nvPr>
+        </p:nvSpPr>
+        <p:spPr>
+          <a:xfrm>
+            <a:off x="913795" y="0"/>
+            <a:ext cx="10353762" cy="619432"/>
+          </a:xfrm>
+        </p:spPr>
+        <p:txBody>
+          <a:bodyPr>
+            <a:normAutofit fontScale="90000"/>
+          </a:bodyPr>
+          <a:lstStyle/>
+          <a:p>
+            <a:r>
+              <a:rPr lang="en-US" sz="4400" b="1" dirty="0">
+                <a:solidFill>
+                  <a:srgbClr val="FF0000"/>
+                </a:solidFill>
+              </a:rPr>
+              <a:t>Subscriber</a:t>
+            </a:r>
+          </a:p>
+        </p:txBody>
+      </p:sp>
+      <p:sp>
+        <p:nvSpPr>
+          <p:cNvPr id="3" name="Content Placeholder 2">
+            <a:extLst>
+              <a:ext uri="{FF2B5EF4-FFF2-40B4-BE49-F238E27FC236}">
+                <a16:creationId xmlns:a16="http://schemas.microsoft.com/office/drawing/2014/main" id="{A678A388-1F3E-2877-3CB0-63D95487DD76}"/>
+              </a:ext>
+            </a:extLst>
+          </p:cNvPr>
+          <p:cNvSpPr>
+            <a:spLocks noGrp="1"/>
+          </p:cNvSpPr>
+          <p:nvPr>
+            <p:ph idx="1"/>
+          </p:nvPr>
+        </p:nvSpPr>
+        <p:spPr>
+          <a:xfrm>
+            <a:off x="196645" y="707923"/>
+            <a:ext cx="11818374" cy="5899354"/>
+          </a:xfrm>
+        </p:spPr>
+        <p:txBody>
+          <a:bodyPr/>
+          <a:lstStyle/>
+          <a:p>
+            <a:r>
+              <a:rPr lang="en-US" dirty="0">
+                <a:effectLst/>
+              </a:rPr>
+              <a:t>acts as the middleman: It takes value from the Observable and hands it to the Observer's next() method</a:t>
+            </a:r>
+            <a:endParaRPr lang="en-US" dirty="0"/>
+          </a:p>
+          <a:p>
+            <a:r>
+              <a:rPr lang="en-US" dirty="0"/>
+              <a:t>The </a:t>
+            </a:r>
+            <a:r>
+              <a:rPr lang="en-US" b="1" dirty="0">
+                <a:solidFill>
+                  <a:srgbClr val="FFFF00"/>
+                </a:solidFill>
+              </a:rPr>
+              <a:t>subscriber</a:t>
+            </a:r>
+            <a:r>
+              <a:rPr lang="en-US" dirty="0"/>
+              <a:t> parameter inside the new </a:t>
+            </a:r>
+            <a:r>
+              <a:rPr lang="en-US" b="1" dirty="0">
+                <a:solidFill>
+                  <a:srgbClr val="FFFF00"/>
+                </a:solidFill>
+              </a:rPr>
+              <a:t>Observable constructor</a:t>
+            </a:r>
+            <a:r>
+              <a:rPr lang="en-US" dirty="0"/>
+              <a:t> is Subscriber.</a:t>
+            </a:r>
+          </a:p>
+          <a:p>
+            <a:endParaRPr lang="en-US" dirty="0"/>
+          </a:p>
+          <a:p>
+            <a:endParaRPr lang="en-US" dirty="0"/>
+          </a:p>
+        </p:txBody>
+      </p:sp>
+    </p:spTree>
+    <p:extLst>
+      <p:ext uri="{BB962C8B-B14F-4D97-AF65-F5344CB8AC3E}">
+        <p14:creationId xmlns:p14="http://schemas.microsoft.com/office/powerpoint/2010/main" val="198467932"/>
+      </p:ext>
+    </p:extLst>
+  </p:cSld>
+  <p:clrMapOvr>
+    <a:masterClrMapping/>
+  </p:clrMapOvr>
+</p:sld>
+</file>
+
+<file path=ppt/slides/slide16.xml><?xml version="1.0" encoding="utf-8"?>
+<p:sld xmlns:a="http://schemas.openxmlformats.org/drawingml/2006/main" xmlns:r="http://schemas.openxmlformats.org/officeDocument/2006/relationships" xmlns:p="http://schemas.openxmlformats.org/presentationml/2006/main">
+  <p:cSld>
+    <p:spTree>
+      <p:nvGrpSpPr>
+        <p:cNvPr id="1" name=""/>
+        <p:cNvGrpSpPr/>
+        <p:nvPr/>
+      </p:nvGrpSpPr>
+      <p:grpSpPr>
+        <a:xfrm>
+          <a:off x="0" y="0"/>
+          <a:ext cx="0" cy="0"/>
+          <a:chOff x="0" y="0"/>
+          <a:chExt cx="0" cy="0"/>
+        </a:xfrm>
+      </p:grpSpPr>
+      <p:sp>
+        <p:nvSpPr>
+          <p:cNvPr id="2" name="Title 1">
+            <a:extLst>
+              <a:ext uri="{FF2B5EF4-FFF2-40B4-BE49-F238E27FC236}">
+                <a16:creationId xmlns:a16="http://schemas.microsoft.com/office/drawing/2014/main" id="{94CFDAFF-652F-D97C-B156-17FBE471CADE}"/>
+              </a:ext>
+            </a:extLst>
+          </p:cNvPr>
+          <p:cNvSpPr>
+            <a:spLocks noGrp="1"/>
+          </p:cNvSpPr>
+          <p:nvPr>
+            <p:ph type="title"/>
+          </p:nvPr>
+        </p:nvSpPr>
+        <p:spPr>
+          <a:xfrm>
+            <a:off x="913795" y="0"/>
+            <a:ext cx="10353762" cy="589935"/>
+          </a:xfrm>
+        </p:spPr>
+        <p:txBody>
+          <a:bodyPr>
+            <a:normAutofit fontScale="90000"/>
+          </a:bodyPr>
+          <a:lstStyle/>
+          <a:p>
+            <a:r>
+              <a:rPr lang="en-US" b="1" dirty="0"/>
+              <a:t>Observable example</a:t>
+            </a:r>
+          </a:p>
+        </p:txBody>
+      </p:sp>
+      <p:pic>
+        <p:nvPicPr>
+          <p:cNvPr id="5" name="Content Placeholder 4">
+            <a:extLst>
+              <a:ext uri="{FF2B5EF4-FFF2-40B4-BE49-F238E27FC236}">
+                <a16:creationId xmlns:a16="http://schemas.microsoft.com/office/drawing/2014/main" id="{F72204C2-0829-E37C-9C3D-E7463B466F6C}"/>
+              </a:ext>
+            </a:extLst>
+          </p:cNvPr>
+          <p:cNvPicPr>
+            <a:picLocks noGrp="1" noChangeAspect="1"/>
+          </p:cNvPicPr>
+          <p:nvPr>
+            <p:ph idx="1"/>
+          </p:nvPr>
+        </p:nvPicPr>
+        <p:blipFill>
+          <a:blip r:embed="rId2"/>
+          <a:stretch>
+            <a:fillRect/>
+          </a:stretch>
+        </p:blipFill>
+        <p:spPr>
+          <a:xfrm>
+            <a:off x="486292" y="929817"/>
+            <a:ext cx="4803462" cy="1766998"/>
+          </a:xfrm>
+          <a:prstGeom prst="rect">
+            <a:avLst/>
+          </a:prstGeom>
+          <a:effectLst>
+            <a:outerShdw blurRad="25400" dir="17880000">
+              <a:srgbClr val="000000">
+                <a:alpha val="46000"/>
+              </a:srgbClr>
+            </a:outerShdw>
+          </a:effectLst>
         </p:spPr>
       </p:pic>
       <p:pic>
@@ -6595,7 +7207,7 @@
           <p:cNvPr id="7" name="Picture 6">
             <a:extLst>
               <a:ext uri="{FF2B5EF4-FFF2-40B4-BE49-F238E27FC236}">
-                <a16:creationId xmlns:a16="http://schemas.microsoft.com/office/drawing/2014/main" id="{F3632FE0-BBF0-41EE-5F36-135295B69C9A}"/>
+                <a16:creationId xmlns:a16="http://schemas.microsoft.com/office/drawing/2014/main" id="{108C0BDF-7358-793F-BD0C-A5CFDE7B1E18}"/>
               </a:ext>
             </a:extLst>
           </p:cNvPr>
@@ -6612,8 +7224,8 @@
         </p:blipFill>
         <p:spPr>
           <a:xfrm>
-            <a:off x="355251" y="1956417"/>
-            <a:ext cx="9904116" cy="2945171"/>
+            <a:off x="575415" y="3078836"/>
+            <a:ext cx="4714339" cy="1998350"/>
           </a:xfrm>
           <a:prstGeom prst="rect">
             <a:avLst/>
@@ -6623,7 +7235,287 @@
     </p:spTree>
     <p:extLst>
       <p:ext uri="{BB962C8B-B14F-4D97-AF65-F5344CB8AC3E}">
-        <p14:creationId xmlns:p14="http://schemas.microsoft.com/office/powerpoint/2010/main" val="608228892"/>
+        <p14:creationId xmlns:p14="http://schemas.microsoft.com/office/powerpoint/2010/main" val="794002608"/>
+      </p:ext>
+    </p:extLst>
+  </p:cSld>
+  <p:clrMapOvr>
+    <a:masterClrMapping/>
+  </p:clrMapOvr>
+</p:sld>
+</file>
+
+<file path=ppt/slides/slide17.xml><?xml version="1.0" encoding="utf-8"?>
+<p:sld xmlns:a="http://schemas.openxmlformats.org/drawingml/2006/main" xmlns:r="http://schemas.openxmlformats.org/officeDocument/2006/relationships" xmlns:p="http://schemas.openxmlformats.org/presentationml/2006/main">
+  <p:cSld>
+    <p:spTree>
+      <p:nvGrpSpPr>
+        <p:cNvPr id="1" name=""/>
+        <p:cNvGrpSpPr/>
+        <p:nvPr/>
+      </p:nvGrpSpPr>
+      <p:grpSpPr>
+        <a:xfrm>
+          <a:off x="0" y="0"/>
+          <a:ext cx="0" cy="0"/>
+          <a:chOff x="0" y="0"/>
+          <a:chExt cx="0" cy="0"/>
+        </a:xfrm>
+      </p:grpSpPr>
+      <p:sp>
+        <p:nvSpPr>
+          <p:cNvPr id="2" name="Title 1">
+            <a:extLst>
+              <a:ext uri="{FF2B5EF4-FFF2-40B4-BE49-F238E27FC236}">
+                <a16:creationId xmlns:a16="http://schemas.microsoft.com/office/drawing/2014/main" id="{FC437ED4-E69D-F586-0742-5D562697F98A}"/>
+              </a:ext>
+            </a:extLst>
+          </p:cNvPr>
+          <p:cNvSpPr>
+            <a:spLocks noGrp="1"/>
+          </p:cNvSpPr>
+          <p:nvPr>
+            <p:ph type="title"/>
+          </p:nvPr>
+        </p:nvSpPr>
+        <p:spPr>
+          <a:xfrm>
+            <a:off x="919119" y="2231923"/>
+            <a:ext cx="10353762" cy="970450"/>
+          </a:xfrm>
+        </p:spPr>
+        <p:txBody>
+          <a:bodyPr>
+            <a:normAutofit fontScale="90000"/>
+          </a:bodyPr>
+          <a:lstStyle/>
+          <a:p>
+            <a:r>
+              <a:rPr lang="en-US" sz="6000" b="1" dirty="0">
+                <a:solidFill>
+                  <a:srgbClr val="FF0000"/>
+                </a:solidFill>
+              </a:rPr>
+              <a:t>Type Script</a:t>
+            </a:r>
+          </a:p>
+        </p:txBody>
+      </p:sp>
+    </p:spTree>
+    <p:extLst>
+      <p:ext uri="{BB962C8B-B14F-4D97-AF65-F5344CB8AC3E}">
+        <p14:creationId xmlns:p14="http://schemas.microsoft.com/office/powerpoint/2010/main" val="385122793"/>
+      </p:ext>
+    </p:extLst>
+  </p:cSld>
+  <p:clrMapOvr>
+    <a:masterClrMapping/>
+  </p:clrMapOvr>
+</p:sld>
+</file>
+
+<file path=ppt/slides/slide18.xml><?xml version="1.0" encoding="utf-8"?>
+<p:sld xmlns:a="http://schemas.openxmlformats.org/drawingml/2006/main" xmlns:r="http://schemas.openxmlformats.org/officeDocument/2006/relationships" xmlns:p="http://schemas.openxmlformats.org/presentationml/2006/main">
+  <p:cSld>
+    <p:spTree>
+      <p:nvGrpSpPr>
+        <p:cNvPr id="1" name=""/>
+        <p:cNvGrpSpPr/>
+        <p:nvPr/>
+      </p:nvGrpSpPr>
+      <p:grpSpPr>
+        <a:xfrm>
+          <a:off x="0" y="0"/>
+          <a:ext cx="0" cy="0"/>
+          <a:chOff x="0" y="0"/>
+          <a:chExt cx="0" cy="0"/>
+        </a:xfrm>
+      </p:grpSpPr>
+      <p:sp>
+        <p:nvSpPr>
+          <p:cNvPr id="2" name="Title 1">
+            <a:extLst>
+              <a:ext uri="{FF2B5EF4-FFF2-40B4-BE49-F238E27FC236}">
+                <a16:creationId xmlns:a16="http://schemas.microsoft.com/office/drawing/2014/main" id="{3F7DC102-74D5-6A5A-C16F-A6633D668E11}"/>
+              </a:ext>
+            </a:extLst>
+          </p:cNvPr>
+          <p:cNvSpPr>
+            <a:spLocks noGrp="1"/>
+          </p:cNvSpPr>
+          <p:nvPr>
+            <p:ph type="title"/>
+          </p:nvPr>
+        </p:nvSpPr>
+        <p:spPr>
+          <a:xfrm>
+            <a:off x="913795" y="0"/>
+            <a:ext cx="10353762" cy="668594"/>
+          </a:xfrm>
+        </p:spPr>
+        <p:txBody>
+          <a:bodyPr>
+            <a:normAutofit fontScale="90000"/>
+          </a:bodyPr>
+          <a:lstStyle/>
+          <a:p>
+            <a:r>
+              <a:rPr lang="en-US" b="1" dirty="0"/>
+              <a:t>Enum</a:t>
+            </a:r>
+          </a:p>
+        </p:txBody>
+      </p:sp>
+      <p:sp>
+        <p:nvSpPr>
+          <p:cNvPr id="9" name="Content Placeholder 8">
+            <a:extLst>
+              <a:ext uri="{FF2B5EF4-FFF2-40B4-BE49-F238E27FC236}">
+                <a16:creationId xmlns:a16="http://schemas.microsoft.com/office/drawing/2014/main" id="{4C153522-2A32-E7A7-CA2E-3619FCE51951}"/>
+              </a:ext>
+            </a:extLst>
+          </p:cNvPr>
+          <p:cNvSpPr>
+            <a:spLocks noGrp="1"/>
+          </p:cNvSpPr>
+          <p:nvPr>
+            <p:ph idx="1"/>
+          </p:nvPr>
+        </p:nvSpPr>
+        <p:spPr>
+          <a:xfrm>
+            <a:off x="287093" y="3614676"/>
+            <a:ext cx="11314972" cy="1153969"/>
+          </a:xfrm>
+        </p:spPr>
+        <p:txBody>
+          <a:bodyPr>
+            <a:normAutofit lnSpcReduction="10000"/>
+          </a:bodyPr>
+          <a:lstStyle/>
+          <a:p>
+            <a:r>
+              <a:rPr lang="en-US" dirty="0"/>
+              <a:t>note : Enums in TypeScript are technically objects where :</a:t>
+            </a:r>
+          </a:p>
+          <a:p>
+            <a:pPr lvl="1"/>
+            <a:r>
+              <a:rPr lang="en-US" dirty="0"/>
+              <a:t>Keys are strings.</a:t>
+            </a:r>
+          </a:p>
+          <a:p>
+            <a:pPr lvl="1"/>
+            <a:r>
+              <a:rPr lang="en-US" dirty="0"/>
+              <a:t>Values are numbers (if it's a numeric Enum) or strings (if it's a string Enum).</a:t>
+            </a:r>
+          </a:p>
+        </p:txBody>
+      </p:sp>
+      <p:pic>
+        <p:nvPicPr>
+          <p:cNvPr id="10" name="Content Placeholder 4">
+            <a:extLst>
+              <a:ext uri="{FF2B5EF4-FFF2-40B4-BE49-F238E27FC236}">
+                <a16:creationId xmlns:a16="http://schemas.microsoft.com/office/drawing/2014/main" id="{468FE5B5-EF94-C9D7-A34B-FF927FCCAD9C}"/>
+              </a:ext>
+            </a:extLst>
+          </p:cNvPr>
+          <p:cNvPicPr>
+            <a:picLocks noChangeAspect="1"/>
+          </p:cNvPicPr>
+          <p:nvPr/>
+        </p:nvPicPr>
+        <p:blipFill>
+          <a:blip r:embed="rId2"/>
+          <a:stretch>
+            <a:fillRect/>
+          </a:stretch>
+        </p:blipFill>
+        <p:spPr>
+          <a:xfrm>
+            <a:off x="289864" y="727143"/>
+            <a:ext cx="3141593" cy="1565000"/>
+          </a:xfrm>
+          <a:prstGeom prst="rect">
+            <a:avLst/>
+          </a:prstGeom>
+          <a:effectLst>
+            <a:outerShdw blurRad="25400" dir="17880000">
+              <a:srgbClr val="000000">
+                <a:alpha val="46000"/>
+              </a:srgbClr>
+            </a:outerShdw>
+          </a:effectLst>
+        </p:spPr>
+      </p:pic>
+      <p:pic>
+        <p:nvPicPr>
+          <p:cNvPr id="11" name="Picture 10">
+            <a:extLst>
+              <a:ext uri="{FF2B5EF4-FFF2-40B4-BE49-F238E27FC236}">
+                <a16:creationId xmlns:a16="http://schemas.microsoft.com/office/drawing/2014/main" id="{353EC381-3C7D-477D-7149-FEB84B36FF97}"/>
+              </a:ext>
+            </a:extLst>
+          </p:cNvPr>
+          <p:cNvPicPr>
+            <a:picLocks noChangeAspect="1"/>
+          </p:cNvPicPr>
+          <p:nvPr/>
+        </p:nvPicPr>
+        <p:blipFill>
+          <a:blip r:embed="rId3"/>
+          <a:stretch>
+            <a:fillRect/>
+          </a:stretch>
+        </p:blipFill>
+        <p:spPr>
+          <a:xfrm>
+            <a:off x="287093" y="2357976"/>
+            <a:ext cx="10353762" cy="1190867"/>
+          </a:xfrm>
+          <a:prstGeom prst="rect">
+            <a:avLst/>
+          </a:prstGeom>
+        </p:spPr>
+      </p:pic>
+      <p:pic>
+        <p:nvPicPr>
+          <p:cNvPr id="15" name="Picture 14">
+            <a:extLst>
+              <a:ext uri="{FF2B5EF4-FFF2-40B4-BE49-F238E27FC236}">
+                <a16:creationId xmlns:a16="http://schemas.microsoft.com/office/drawing/2014/main" id="{4633A0A3-A288-DD0A-5D7F-1B49AE151352}"/>
+              </a:ext>
+            </a:extLst>
+          </p:cNvPr>
+          <p:cNvPicPr>
+            <a:picLocks noChangeAspect="1"/>
+          </p:cNvPicPr>
+          <p:nvPr/>
+        </p:nvPicPr>
+        <p:blipFill>
+          <a:blip r:embed="rId4"/>
+          <a:stretch>
+            <a:fillRect/>
+          </a:stretch>
+        </p:blipFill>
+        <p:spPr>
+          <a:xfrm>
+            <a:off x="287094" y="4828229"/>
+            <a:ext cx="10430068" cy="2002942"/>
+          </a:xfrm>
+          <a:prstGeom prst="rect">
+            <a:avLst/>
+          </a:prstGeom>
+        </p:spPr>
+      </p:pic>
+    </p:spTree>
+    <p:extLst>
+      <p:ext uri="{BB962C8B-B14F-4D97-AF65-F5344CB8AC3E}">
+        <p14:creationId xmlns:p14="http://schemas.microsoft.com/office/powerpoint/2010/main" val="3592595754"/>
       </p:ext>
     </p:extLst>
   </p:cSld>
@@ -7287,8 +8179,8 @@
         </p:blipFill>
         <p:spPr>
           <a:xfrm>
-            <a:off x="6698481" y="551325"/>
-            <a:ext cx="5493519" cy="2413061"/>
+            <a:off x="6774426" y="593264"/>
+            <a:ext cx="5322100" cy="2337764"/>
           </a:xfrm>
           <a:prstGeom prst="rect">
             <a:avLst/>
@@ -7451,7 +8343,7 @@
         </p:blipFill>
         <p:spPr>
           <a:xfrm>
-            <a:off x="290797" y="2232840"/>
+            <a:off x="290797" y="2213176"/>
             <a:ext cx="9552982" cy="630386"/>
           </a:xfrm>
           <a:prstGeom prst="rect">
@@ -7722,7 +8614,7 @@
         </p:blipFill>
         <p:spPr>
           <a:xfrm>
-            <a:off x="0" y="564862"/>
+            <a:off x="119959" y="637632"/>
             <a:ext cx="3665353" cy="580650"/>
           </a:xfrm>
           <a:prstGeom prst="rect">
@@ -7759,7 +8651,7 @@
         </p:blipFill>
         <p:spPr>
           <a:xfrm>
-            <a:off x="129791" y="1145512"/>
+            <a:off x="119959" y="1314438"/>
             <a:ext cx="3778176" cy="472272"/>
           </a:xfrm>
           <a:prstGeom prst="rect">
@@ -7789,7 +8681,7 @@
         </p:blipFill>
         <p:spPr>
           <a:xfrm>
-            <a:off x="129791" y="1682553"/>
+            <a:off x="119959" y="1882866"/>
             <a:ext cx="3778176" cy="608470"/>
           </a:xfrm>
           <a:prstGeom prst="rect">
@@ -7819,7 +8711,7 @@
         </p:blipFill>
         <p:spPr>
           <a:xfrm>
-            <a:off x="0" y="2473824"/>
+            <a:off x="119959" y="2638587"/>
             <a:ext cx="5375868" cy="1000364"/>
           </a:xfrm>
           <a:prstGeom prst="rect">

--- a/Angular & type script/Angular.pptx
+++ b/Angular & type script/Angular.pptx
@@ -314,7 +314,7 @@
           <a:p>
             <a:fld id="{BFD97FD3-0E3C-4940-AC08-248FE3BAAF7F}" type="datetimeFigureOut">
               <a:rPr lang="en-US" smtClean="0"/>
-              <a:t>2/5/2026</a:t>
+              <a:t>2/6/2026</a:t>
             </a:fld>
             <a:endParaRPr lang="en-US"/>
           </a:p>
@@ -612,7 +612,7 @@
           <a:p>
             <a:fld id="{BFD97FD3-0E3C-4940-AC08-248FE3BAAF7F}" type="datetimeFigureOut">
               <a:rPr lang="en-US" smtClean="0"/>
-              <a:t>2/5/2026</a:t>
+              <a:t>2/6/2026</a:t>
             </a:fld>
             <a:endParaRPr lang="en-US"/>
           </a:p>
@@ -804,7 +804,7 @@
           <a:p>
             <a:fld id="{BFD97FD3-0E3C-4940-AC08-248FE3BAAF7F}" type="datetimeFigureOut">
               <a:rPr lang="en-US" smtClean="0"/>
-              <a:t>2/5/2026</a:t>
+              <a:t>2/6/2026</a:t>
             </a:fld>
             <a:endParaRPr lang="en-US"/>
           </a:p>
@@ -1065,7 +1065,7 @@
           <a:p>
             <a:fld id="{BFD97FD3-0E3C-4940-AC08-248FE3BAAF7F}" type="datetimeFigureOut">
               <a:rPr lang="en-US" smtClean="0"/>
-              <a:t>2/5/2026</a:t>
+              <a:t>2/6/2026</a:t>
             </a:fld>
             <a:endParaRPr lang="en-US"/>
           </a:p>
@@ -1489,7 +1489,7 @@
           <a:p>
             <a:fld id="{BFD97FD3-0E3C-4940-AC08-248FE3BAAF7F}" type="datetimeFigureOut">
               <a:rPr lang="en-US" smtClean="0"/>
-              <a:t>2/5/2026</a:t>
+              <a:t>2/6/2026</a:t>
             </a:fld>
             <a:endParaRPr lang="en-US"/>
           </a:p>
@@ -2026,7 +2026,7 @@
           <a:p>
             <a:fld id="{BFD97FD3-0E3C-4940-AC08-248FE3BAAF7F}" type="datetimeFigureOut">
               <a:rPr lang="en-US" smtClean="0"/>
-              <a:t>2/5/2026</a:t>
+              <a:t>2/6/2026</a:t>
             </a:fld>
             <a:endParaRPr lang="en-US"/>
           </a:p>
@@ -2890,7 +2890,7 @@
           <a:p>
             <a:fld id="{BFD97FD3-0E3C-4940-AC08-248FE3BAAF7F}" type="datetimeFigureOut">
               <a:rPr lang="en-US" smtClean="0"/>
-              <a:t>2/5/2026</a:t>
+              <a:t>2/6/2026</a:t>
             </a:fld>
             <a:endParaRPr lang="en-US"/>
           </a:p>
@@ -3060,7 +3060,7 @@
           <a:p>
             <a:fld id="{BFD97FD3-0E3C-4940-AC08-248FE3BAAF7F}" type="datetimeFigureOut">
               <a:rPr lang="en-US" smtClean="0"/>
-              <a:t>2/5/2026</a:t>
+              <a:t>2/6/2026</a:t>
             </a:fld>
             <a:endParaRPr lang="en-US"/>
           </a:p>
@@ -3244,7 +3244,7 @@
           <a:p>
             <a:fld id="{BFD97FD3-0E3C-4940-AC08-248FE3BAAF7F}" type="datetimeFigureOut">
               <a:rPr lang="en-US" smtClean="0"/>
-              <a:t>2/5/2026</a:t>
+              <a:t>2/6/2026</a:t>
             </a:fld>
             <a:endParaRPr lang="en-US"/>
           </a:p>
@@ -3414,7 +3414,7 @@
           <a:p>
             <a:fld id="{BFD97FD3-0E3C-4940-AC08-248FE3BAAF7F}" type="datetimeFigureOut">
               <a:rPr lang="en-US" smtClean="0"/>
-              <a:t>2/5/2026</a:t>
+              <a:t>2/6/2026</a:t>
             </a:fld>
             <a:endParaRPr lang="en-US"/>
           </a:p>
@@ -3658,7 +3658,7 @@
           <a:p>
             <a:fld id="{BFD97FD3-0E3C-4940-AC08-248FE3BAAF7F}" type="datetimeFigureOut">
               <a:rPr lang="en-US" smtClean="0"/>
-              <a:t>2/5/2026</a:t>
+              <a:t>2/6/2026</a:t>
             </a:fld>
             <a:endParaRPr lang="en-US"/>
           </a:p>
@@ -3894,7 +3894,7 @@
           <a:p>
             <a:fld id="{BFD97FD3-0E3C-4940-AC08-248FE3BAAF7F}" type="datetimeFigureOut">
               <a:rPr lang="en-US" smtClean="0"/>
-              <a:t>2/5/2026</a:t>
+              <a:t>2/6/2026</a:t>
             </a:fld>
             <a:endParaRPr lang="en-US"/>
           </a:p>
@@ -4360,7 +4360,7 @@
           <a:p>
             <a:fld id="{BFD97FD3-0E3C-4940-AC08-248FE3BAAF7F}" type="datetimeFigureOut">
               <a:rPr lang="en-US" smtClean="0"/>
-              <a:t>2/5/2026</a:t>
+              <a:t>2/6/2026</a:t>
             </a:fld>
             <a:endParaRPr lang="en-US"/>
           </a:p>
@@ -4478,7 +4478,7 @@
           <a:p>
             <a:fld id="{BFD97FD3-0E3C-4940-AC08-248FE3BAAF7F}" type="datetimeFigureOut">
               <a:rPr lang="en-US" smtClean="0"/>
-              <a:t>2/5/2026</a:t>
+              <a:t>2/6/2026</a:t>
             </a:fld>
             <a:endParaRPr lang="en-US"/>
           </a:p>
@@ -4573,7 +4573,7 @@
           <a:p>
             <a:fld id="{BFD97FD3-0E3C-4940-AC08-248FE3BAAF7F}" type="datetimeFigureOut">
               <a:rPr lang="en-US" smtClean="0"/>
-              <a:t>2/5/2026</a:t>
+              <a:t>2/6/2026</a:t>
             </a:fld>
             <a:endParaRPr lang="en-US"/>
           </a:p>
@@ -4828,7 +4828,7 @@
           <a:p>
             <a:fld id="{BFD97FD3-0E3C-4940-AC08-248FE3BAAF7F}" type="datetimeFigureOut">
               <a:rPr lang="en-US" smtClean="0"/>
-              <a:t>2/5/2026</a:t>
+              <a:t>2/6/2026</a:t>
             </a:fld>
             <a:endParaRPr lang="en-US"/>
           </a:p>
@@ -5128,7 +5128,7 @@
           <a:p>
             <a:fld id="{BFD97FD3-0E3C-4940-AC08-248FE3BAAF7F}" type="datetimeFigureOut">
               <a:rPr lang="en-US" smtClean="0"/>
-              <a:t>2/5/2026</a:t>
+              <a:t>2/6/2026</a:t>
             </a:fld>
             <a:endParaRPr lang="en-US"/>
           </a:p>
@@ -5362,7 +5362,7 @@
           <a:p>
             <a:fld id="{BFD97FD3-0E3C-4940-AC08-248FE3BAAF7F}" type="datetimeFigureOut">
               <a:rPr lang="en-US" smtClean="0"/>
-              <a:t>2/5/2026</a:t>
+              <a:t>2/6/2026</a:t>
             </a:fld>
             <a:endParaRPr lang="en-US"/>
           </a:p>
@@ -6893,16 +6893,15 @@
             <a:endParaRPr lang="en-US" dirty="0"/>
           </a:p>
           <a:p>
-            <a:endParaRPr lang="en-US"/>
-          </a:p>
-          <a:p>
-            <a:r>
-              <a:rPr lang="en-US"/>
-              <a:t>The </a:t>
-            </a:r>
+            <a:endParaRPr lang="en-US" dirty="0"/>
+          </a:p>
+          <a:p>
+            <a:endParaRPr lang="en-US" dirty="0"/>
+          </a:p>
+          <a:p>
             <a:r>
               <a:rPr lang="en-US" dirty="0"/>
-              <a:t>object passed inside the </a:t>
+              <a:t>The object passed inside the </a:t>
             </a:r>
             <a:r>
               <a:rPr lang="en-US" b="1" dirty="0">
@@ -6949,8 +6948,8 @@
         </p:blipFill>
         <p:spPr>
           <a:xfrm>
-            <a:off x="442450" y="1132787"/>
-            <a:ext cx="4827639" cy="2227387"/>
+            <a:off x="324464" y="1253367"/>
+            <a:ext cx="5275062" cy="2433820"/>
           </a:xfrm>
           <a:prstGeom prst="rect">
             <a:avLst/>
@@ -7187,8 +7186,8 @@
         </p:blipFill>
         <p:spPr>
           <a:xfrm>
-            <a:off x="486292" y="929817"/>
-            <a:ext cx="4803462" cy="1766998"/>
+            <a:off x="258889" y="721816"/>
+            <a:ext cx="5728817" cy="2193464"/>
           </a:xfrm>
           <a:prstGeom prst="rect">
             <a:avLst/>
@@ -7224,8 +7223,8 @@
         </p:blipFill>
         <p:spPr>
           <a:xfrm>
-            <a:off x="575415" y="3078836"/>
-            <a:ext cx="4714339" cy="1998350"/>
+            <a:off x="260565" y="3298371"/>
+            <a:ext cx="5727141" cy="2427664"/>
           </a:xfrm>
           <a:prstGeom prst="rect">
             <a:avLst/>
@@ -7280,13 +7279,13 @@
         </p:nvSpPr>
         <p:spPr>
           <a:xfrm>
-            <a:off x="919119" y="2231923"/>
-            <a:ext cx="10353762" cy="970450"/>
+            <a:off x="919119" y="2231922"/>
+            <a:ext cx="10353762" cy="1837659"/>
           </a:xfrm>
         </p:spPr>
         <p:txBody>
           <a:bodyPr>
-            <a:normAutofit fontScale="90000"/>
+            <a:normAutofit/>
           </a:bodyPr>
           <a:lstStyle/>
           <a:p>
@@ -7437,7 +7436,7 @@
         </p:blipFill>
         <p:spPr>
           <a:xfrm>
-            <a:off x="289864" y="727143"/>
+            <a:off x="287093" y="334297"/>
             <a:ext cx="3141593" cy="1565000"/>
           </a:xfrm>
           <a:prstGeom prst="rect">
@@ -7474,8 +7473,8 @@
         </p:blipFill>
         <p:spPr>
           <a:xfrm>
-            <a:off x="287093" y="2357976"/>
-            <a:ext cx="10353762" cy="1190867"/>
+            <a:off x="287093" y="2126682"/>
+            <a:ext cx="11019572" cy="1267447"/>
           </a:xfrm>
           <a:prstGeom prst="rect">
             <a:avLst/>
@@ -7504,7 +7503,7 @@
         </p:blipFill>
         <p:spPr>
           <a:xfrm>
-            <a:off x="287094" y="4828229"/>
+            <a:off x="287094" y="4818181"/>
             <a:ext cx="10430068" cy="2002942"/>
           </a:xfrm>
           <a:prstGeom prst="rect">

--- a/Angular & type script/Angular.pptx
+++ b/Angular & type script/Angular.pptx
@@ -21,8 +21,12 @@
     <p:sldId id="271" r:id="rId15"/>
     <p:sldId id="272" r:id="rId16"/>
     <p:sldId id="273" r:id="rId17"/>
-    <p:sldId id="269" r:id="rId18"/>
-    <p:sldId id="268" r:id="rId19"/>
+    <p:sldId id="274" r:id="rId18"/>
+    <p:sldId id="276" r:id="rId19"/>
+    <p:sldId id="275" r:id="rId20"/>
+    <p:sldId id="277" r:id="rId21"/>
+    <p:sldId id="269" r:id="rId22"/>
+    <p:sldId id="268" r:id="rId23"/>
   </p:sldIdLst>
   <p:sldSz cx="12192000" cy="6858000"/>
   <p:notesSz cx="6858000" cy="9144000"/>
@@ -314,7 +318,7 @@
           <a:p>
             <a:fld id="{BFD97FD3-0E3C-4940-AC08-248FE3BAAF7F}" type="datetimeFigureOut">
               <a:rPr lang="en-US" smtClean="0"/>
-              <a:t>2/6/2026</a:t>
+              <a:t>2/10/2026</a:t>
             </a:fld>
             <a:endParaRPr lang="en-US"/>
           </a:p>
@@ -612,7 +616,7 @@
           <a:p>
             <a:fld id="{BFD97FD3-0E3C-4940-AC08-248FE3BAAF7F}" type="datetimeFigureOut">
               <a:rPr lang="en-US" smtClean="0"/>
-              <a:t>2/6/2026</a:t>
+              <a:t>2/10/2026</a:t>
             </a:fld>
             <a:endParaRPr lang="en-US"/>
           </a:p>
@@ -804,7 +808,7 @@
           <a:p>
             <a:fld id="{BFD97FD3-0E3C-4940-AC08-248FE3BAAF7F}" type="datetimeFigureOut">
               <a:rPr lang="en-US" smtClean="0"/>
-              <a:t>2/6/2026</a:t>
+              <a:t>2/10/2026</a:t>
             </a:fld>
             <a:endParaRPr lang="en-US"/>
           </a:p>
@@ -1065,7 +1069,7 @@
           <a:p>
             <a:fld id="{BFD97FD3-0E3C-4940-AC08-248FE3BAAF7F}" type="datetimeFigureOut">
               <a:rPr lang="en-US" smtClean="0"/>
-              <a:t>2/6/2026</a:t>
+              <a:t>2/10/2026</a:t>
             </a:fld>
             <a:endParaRPr lang="en-US"/>
           </a:p>
@@ -1489,7 +1493,7 @@
           <a:p>
             <a:fld id="{BFD97FD3-0E3C-4940-AC08-248FE3BAAF7F}" type="datetimeFigureOut">
               <a:rPr lang="en-US" smtClean="0"/>
-              <a:t>2/6/2026</a:t>
+              <a:t>2/10/2026</a:t>
             </a:fld>
             <a:endParaRPr lang="en-US"/>
           </a:p>
@@ -2026,7 +2030,7 @@
           <a:p>
             <a:fld id="{BFD97FD3-0E3C-4940-AC08-248FE3BAAF7F}" type="datetimeFigureOut">
               <a:rPr lang="en-US" smtClean="0"/>
-              <a:t>2/6/2026</a:t>
+              <a:t>2/10/2026</a:t>
             </a:fld>
             <a:endParaRPr lang="en-US"/>
           </a:p>
@@ -2890,7 +2894,7 @@
           <a:p>
             <a:fld id="{BFD97FD3-0E3C-4940-AC08-248FE3BAAF7F}" type="datetimeFigureOut">
               <a:rPr lang="en-US" smtClean="0"/>
-              <a:t>2/6/2026</a:t>
+              <a:t>2/10/2026</a:t>
             </a:fld>
             <a:endParaRPr lang="en-US"/>
           </a:p>
@@ -3060,7 +3064,7 @@
           <a:p>
             <a:fld id="{BFD97FD3-0E3C-4940-AC08-248FE3BAAF7F}" type="datetimeFigureOut">
               <a:rPr lang="en-US" smtClean="0"/>
-              <a:t>2/6/2026</a:t>
+              <a:t>2/10/2026</a:t>
             </a:fld>
             <a:endParaRPr lang="en-US"/>
           </a:p>
@@ -3244,7 +3248,7 @@
           <a:p>
             <a:fld id="{BFD97FD3-0E3C-4940-AC08-248FE3BAAF7F}" type="datetimeFigureOut">
               <a:rPr lang="en-US" smtClean="0"/>
-              <a:t>2/6/2026</a:t>
+              <a:t>2/10/2026</a:t>
             </a:fld>
             <a:endParaRPr lang="en-US"/>
           </a:p>
@@ -3414,7 +3418,7 @@
           <a:p>
             <a:fld id="{BFD97FD3-0E3C-4940-AC08-248FE3BAAF7F}" type="datetimeFigureOut">
               <a:rPr lang="en-US" smtClean="0"/>
-              <a:t>2/6/2026</a:t>
+              <a:t>2/10/2026</a:t>
             </a:fld>
             <a:endParaRPr lang="en-US"/>
           </a:p>
@@ -3658,7 +3662,7 @@
           <a:p>
             <a:fld id="{BFD97FD3-0E3C-4940-AC08-248FE3BAAF7F}" type="datetimeFigureOut">
               <a:rPr lang="en-US" smtClean="0"/>
-              <a:t>2/6/2026</a:t>
+              <a:t>2/10/2026</a:t>
             </a:fld>
             <a:endParaRPr lang="en-US"/>
           </a:p>
@@ -3894,7 +3898,7 @@
           <a:p>
             <a:fld id="{BFD97FD3-0E3C-4940-AC08-248FE3BAAF7F}" type="datetimeFigureOut">
               <a:rPr lang="en-US" smtClean="0"/>
-              <a:t>2/6/2026</a:t>
+              <a:t>2/10/2026</a:t>
             </a:fld>
             <a:endParaRPr lang="en-US"/>
           </a:p>
@@ -4360,7 +4364,7 @@
           <a:p>
             <a:fld id="{BFD97FD3-0E3C-4940-AC08-248FE3BAAF7F}" type="datetimeFigureOut">
               <a:rPr lang="en-US" smtClean="0"/>
-              <a:t>2/6/2026</a:t>
+              <a:t>2/10/2026</a:t>
             </a:fld>
             <a:endParaRPr lang="en-US"/>
           </a:p>
@@ -4478,7 +4482,7 @@
           <a:p>
             <a:fld id="{BFD97FD3-0E3C-4940-AC08-248FE3BAAF7F}" type="datetimeFigureOut">
               <a:rPr lang="en-US" smtClean="0"/>
-              <a:t>2/6/2026</a:t>
+              <a:t>2/10/2026</a:t>
             </a:fld>
             <a:endParaRPr lang="en-US"/>
           </a:p>
@@ -4573,7 +4577,7 @@
           <a:p>
             <a:fld id="{BFD97FD3-0E3C-4940-AC08-248FE3BAAF7F}" type="datetimeFigureOut">
               <a:rPr lang="en-US" smtClean="0"/>
-              <a:t>2/6/2026</a:t>
+              <a:t>2/10/2026</a:t>
             </a:fld>
             <a:endParaRPr lang="en-US"/>
           </a:p>
@@ -4828,7 +4832,7 @@
           <a:p>
             <a:fld id="{BFD97FD3-0E3C-4940-AC08-248FE3BAAF7F}" type="datetimeFigureOut">
               <a:rPr lang="en-US" smtClean="0"/>
-              <a:t>2/6/2026</a:t>
+              <a:t>2/10/2026</a:t>
             </a:fld>
             <a:endParaRPr lang="en-US"/>
           </a:p>
@@ -5128,7 +5132,7 @@
           <a:p>
             <a:fld id="{BFD97FD3-0E3C-4940-AC08-248FE3BAAF7F}" type="datetimeFigureOut">
               <a:rPr lang="en-US" smtClean="0"/>
-              <a:t>2/6/2026</a:t>
+              <a:t>2/10/2026</a:t>
             </a:fld>
             <a:endParaRPr lang="en-US"/>
           </a:p>
@@ -5362,7 +5366,7 @@
           <a:p>
             <a:fld id="{BFD97FD3-0E3C-4940-AC08-248FE3BAAF7F}" type="datetimeFigureOut">
               <a:rPr lang="en-US" smtClean="0"/>
-              <a:t>2/6/2026</a:t>
+              <a:t>2/10/2026</a:t>
             </a:fld>
             <a:endParaRPr lang="en-US"/>
           </a:p>
@@ -7266,7 +7270,7 @@
           <p:cNvPr id="2" name="Title 1">
             <a:extLst>
               <a:ext uri="{FF2B5EF4-FFF2-40B4-BE49-F238E27FC236}">
-                <a16:creationId xmlns:a16="http://schemas.microsoft.com/office/drawing/2014/main" id="{FC437ED4-E69D-F586-0742-5D562697F98A}"/>
+                <a16:creationId xmlns:a16="http://schemas.microsoft.com/office/drawing/2014/main" id="{025734B3-3F11-7C03-2D92-0B3DB8D4E2B5}"/>
               </a:ext>
             </a:extLst>
           </p:cNvPr>
@@ -7279,31 +7283,165 @@
         </p:nvSpPr>
         <p:spPr>
           <a:xfrm>
-            <a:off x="919119" y="2231922"/>
-            <a:ext cx="10353762" cy="1837659"/>
+            <a:off x="913795" y="0"/>
+            <a:ext cx="10353762" cy="580103"/>
           </a:xfrm>
         </p:spPr>
         <p:txBody>
           <a:bodyPr>
-            <a:normAutofit/>
+            <a:normAutofit fontScale="90000"/>
           </a:bodyPr>
           <a:lstStyle/>
           <a:p>
             <a:r>
-              <a:rPr lang="en-US" sz="6000" b="1" dirty="0">
+              <a:rPr lang="en-US" b="1" dirty="0">
                 <a:solidFill>
                   <a:srgbClr val="FF0000"/>
                 </a:solidFill>
               </a:rPr>
-              <a:t>Type Script</a:t>
-            </a:r>
-          </a:p>
-        </p:txBody>
-      </p:sp>
+              <a:t>Creating new component</a:t>
+            </a:r>
+          </a:p>
+        </p:txBody>
+      </p:sp>
+      <p:sp>
+        <p:nvSpPr>
+          <p:cNvPr id="3" name="Content Placeholder 2">
+            <a:extLst>
+              <a:ext uri="{FF2B5EF4-FFF2-40B4-BE49-F238E27FC236}">
+                <a16:creationId xmlns:a16="http://schemas.microsoft.com/office/drawing/2014/main" id="{963D2559-9DB4-4235-E157-38E45495D097}"/>
+              </a:ext>
+            </a:extLst>
+          </p:cNvPr>
+          <p:cNvSpPr>
+            <a:spLocks noGrp="1"/>
+          </p:cNvSpPr>
+          <p:nvPr>
+            <p:ph idx="1"/>
+          </p:nvPr>
+        </p:nvSpPr>
+        <p:spPr>
+          <a:xfrm>
+            <a:off x="432618" y="580103"/>
+            <a:ext cx="11375923" cy="6145162"/>
+          </a:xfrm>
+        </p:spPr>
+        <p:txBody>
+          <a:bodyPr/>
+          <a:lstStyle/>
+          <a:p>
+            <a:r>
+              <a:rPr lang="en-US" dirty="0"/>
+              <a:t>ng g c </a:t>
+            </a:r>
+            <a:r>
+              <a:rPr lang="en-US" dirty="0" err="1"/>
+              <a:t>componentName</a:t>
+            </a:r>
+            <a:r>
+              <a:rPr lang="en-US" dirty="0"/>
+              <a:t> --skip-tests</a:t>
+            </a:r>
+          </a:p>
+          <a:p>
+            <a:r>
+              <a:rPr lang="en-US" b="1" dirty="0">
+                <a:solidFill>
+                  <a:srgbClr val="FF0000"/>
+                </a:solidFill>
+              </a:rPr>
+              <a:t>ng</a:t>
+            </a:r>
+            <a:r>
+              <a:rPr lang="en-US" dirty="0"/>
+              <a:t> g c project-details </a:t>
+            </a:r>
+            <a:r>
+              <a:rPr lang="en-US" b="1" dirty="0">
+                <a:solidFill>
+                  <a:srgbClr val="0070C0"/>
+                </a:solidFill>
+              </a:rPr>
+              <a:t>--skip-tests</a:t>
+            </a:r>
+          </a:p>
+          <a:p>
+            <a:pPr lvl="1"/>
+            <a:r>
+              <a:rPr lang="en-US" dirty="0"/>
+              <a:t>project-details folder will be created and includes</a:t>
+            </a:r>
+          </a:p>
+          <a:p>
+            <a:pPr lvl="2"/>
+            <a:r>
+              <a:rPr lang="en-US" sz="1800" dirty="0" err="1"/>
+              <a:t>ProjectDetails.component.ts</a:t>
+            </a:r>
+            <a:endParaRPr lang="en-US" sz="1800" dirty="0"/>
+          </a:p>
+          <a:p>
+            <a:pPr lvl="2"/>
+            <a:r>
+              <a:rPr lang="en-US" sz="1800" dirty="0"/>
+              <a:t>ProjectDetails.Component.html</a:t>
+            </a:r>
+          </a:p>
+          <a:p>
+            <a:pPr lvl="2"/>
+            <a:r>
+              <a:rPr lang="en-US" sz="1800" dirty="0"/>
+              <a:t>ProjectDetails.Component.css</a:t>
+            </a:r>
+          </a:p>
+          <a:p>
+            <a:endParaRPr lang="en-US" dirty="0"/>
+          </a:p>
+          <a:p>
+            <a:endParaRPr lang="en-US" dirty="0"/>
+          </a:p>
+          <a:p>
+            <a:endParaRPr lang="en-US" dirty="0"/>
+          </a:p>
+          <a:p>
+            <a:endParaRPr lang="en-US" dirty="0"/>
+          </a:p>
+        </p:txBody>
+      </p:sp>
+      <p:pic>
+        <p:nvPicPr>
+          <p:cNvPr id="5" name="Picture 4">
+            <a:extLst>
+              <a:ext uri="{FF2B5EF4-FFF2-40B4-BE49-F238E27FC236}">
+                <a16:creationId xmlns:a16="http://schemas.microsoft.com/office/drawing/2014/main" id="{54637D5B-8B8B-98DD-59F9-9474B5F23C4A}"/>
+              </a:ext>
+            </a:extLst>
+          </p:cNvPr>
+          <p:cNvPicPr>
+            <a:picLocks noChangeAspect="1"/>
+          </p:cNvPicPr>
+          <p:nvPr/>
+        </p:nvPicPr>
+        <p:blipFill>
+          <a:blip r:embed="rId2"/>
+          <a:stretch>
+            <a:fillRect/>
+          </a:stretch>
+        </p:blipFill>
+        <p:spPr>
+          <a:xfrm>
+            <a:off x="194372" y="3143800"/>
+            <a:ext cx="11803256" cy="1821490"/>
+          </a:xfrm>
+          <a:prstGeom prst="rect">
+            <a:avLst/>
+          </a:prstGeom>
+        </p:spPr>
+      </p:pic>
     </p:spTree>
     <p:extLst>
       <p:ext uri="{BB962C8B-B14F-4D97-AF65-F5344CB8AC3E}">
-        <p14:creationId xmlns:p14="http://schemas.microsoft.com/office/powerpoint/2010/main" val="385122793"/>
+        <p14:creationId xmlns:p14="http://schemas.microsoft.com/office/powerpoint/2010/main" val="2534247288"/>
       </p:ext>
     </p:extLst>
   </p:cSld>
@@ -7335,7 +7473,7 @@
           <p:cNvPr id="2" name="Title 1">
             <a:extLst>
               <a:ext uri="{FF2B5EF4-FFF2-40B4-BE49-F238E27FC236}">
-                <a16:creationId xmlns:a16="http://schemas.microsoft.com/office/drawing/2014/main" id="{3F7DC102-74D5-6A5A-C16F-A6633D668E11}"/>
+                <a16:creationId xmlns:a16="http://schemas.microsoft.com/office/drawing/2014/main" id="{EFC4C49B-2F1D-97B3-0A85-352A55AC2ECB}"/>
               </a:ext>
             </a:extLst>
           </p:cNvPr>
@@ -7349,28 +7487,26 @@
         <p:spPr>
           <a:xfrm>
             <a:off x="913795" y="0"/>
-            <a:ext cx="10353762" cy="668594"/>
-          </a:xfrm>
-        </p:spPr>
-        <p:txBody>
-          <a:bodyPr>
-            <a:normAutofit fontScale="90000"/>
-          </a:bodyPr>
+            <a:ext cx="10353762" cy="747252"/>
+          </a:xfrm>
+        </p:spPr>
+        <p:txBody>
+          <a:bodyPr/>
           <a:lstStyle/>
           <a:p>
             <a:r>
               <a:rPr lang="en-US" b="1" dirty="0"/>
-              <a:t>Enum</a:t>
-            </a:r>
-          </a:p>
-        </p:txBody>
-      </p:sp>
-      <p:sp>
-        <p:nvSpPr>
-          <p:cNvPr id="9" name="Content Placeholder 8">
+              <a:t>Creating side bar</a:t>
+            </a:r>
+          </a:p>
+        </p:txBody>
+      </p:sp>
+      <p:sp>
+        <p:nvSpPr>
+          <p:cNvPr id="3" name="Content Placeholder 2">
             <a:extLst>
               <a:ext uri="{FF2B5EF4-FFF2-40B4-BE49-F238E27FC236}">
-                <a16:creationId xmlns:a16="http://schemas.microsoft.com/office/drawing/2014/main" id="{4C153522-2A32-E7A7-CA2E-3619FCE51951}"/>
+                <a16:creationId xmlns:a16="http://schemas.microsoft.com/office/drawing/2014/main" id="{6616EB86-5D99-4E2C-2247-FA4A7724D22A}"/>
               </a:ext>
             </a:extLst>
           </p:cNvPr>
@@ -7383,138 +7519,348 @@
         </p:nvSpPr>
         <p:spPr>
           <a:xfrm>
-            <a:off x="287093" y="3614676"/>
-            <a:ext cx="11314972" cy="1153969"/>
-          </a:xfrm>
-        </p:spPr>
-        <p:txBody>
-          <a:bodyPr>
-            <a:normAutofit lnSpcReduction="10000"/>
-          </a:bodyPr>
+            <a:off x="285134" y="747253"/>
+            <a:ext cx="11464413" cy="5702708"/>
+          </a:xfrm>
+        </p:spPr>
+        <p:txBody>
+          <a:bodyPr/>
           <a:lstStyle/>
           <a:p>
             <a:r>
               <a:rPr lang="en-US" dirty="0"/>
-              <a:t>note : Enums in TypeScript are technically objects where :</a:t>
-            </a:r>
-          </a:p>
-          <a:p>
-            <a:pPr lvl="1"/>
+              <a:t>ng g c </a:t>
+            </a:r>
+            <a:r>
+              <a:rPr lang="en-US" dirty="0" err="1"/>
+              <a:t>SideBar</a:t>
+            </a:r>
             <a:r>
               <a:rPr lang="en-US" dirty="0"/>
-              <a:t>Keys are strings.</a:t>
-            </a:r>
-          </a:p>
-          <a:p>
-            <a:pPr lvl="1"/>
-            <a:r>
-              <a:rPr lang="en-US" dirty="0"/>
-              <a:t>Values are numbers (if it's a numeric Enum) or strings (if it's a string Enum).</a:t>
-            </a:r>
-          </a:p>
-        </p:txBody>
-      </p:sp>
-      <p:pic>
-        <p:nvPicPr>
-          <p:cNvPr id="10" name="Content Placeholder 4">
+              <a:t> --skip-tests</a:t>
+            </a:r>
+          </a:p>
+        </p:txBody>
+      </p:sp>
+    </p:spTree>
+    <p:extLst>
+      <p:ext uri="{BB962C8B-B14F-4D97-AF65-F5344CB8AC3E}">
+        <p14:creationId xmlns:p14="http://schemas.microsoft.com/office/powerpoint/2010/main" val="898701421"/>
+      </p:ext>
+    </p:extLst>
+  </p:cSld>
+  <p:clrMapOvr>
+    <a:masterClrMapping/>
+  </p:clrMapOvr>
+</p:sld>
+</file>
+
+<file path=ppt/slides/slide19.xml><?xml version="1.0" encoding="utf-8"?>
+<p:sld xmlns:a="http://schemas.openxmlformats.org/drawingml/2006/main" xmlns:r="http://schemas.openxmlformats.org/officeDocument/2006/relationships" xmlns:p="http://schemas.openxmlformats.org/presentationml/2006/main">
+  <p:cSld>
+    <p:spTree>
+      <p:nvGrpSpPr>
+        <p:cNvPr id="1" name=""/>
+        <p:cNvGrpSpPr/>
+        <p:nvPr/>
+      </p:nvGrpSpPr>
+      <p:grpSpPr>
+        <a:xfrm>
+          <a:off x="0" y="0"/>
+          <a:ext cx="0" cy="0"/>
+          <a:chOff x="0" y="0"/>
+          <a:chExt cx="0" cy="0"/>
+        </a:xfrm>
+      </p:grpSpPr>
+      <p:sp>
+        <p:nvSpPr>
+          <p:cNvPr id="2" name="Title 1">
             <a:extLst>
               <a:ext uri="{FF2B5EF4-FFF2-40B4-BE49-F238E27FC236}">
-                <a16:creationId xmlns:a16="http://schemas.microsoft.com/office/drawing/2014/main" id="{468FE5B5-EF94-C9D7-A34B-FF927FCCAD9C}"/>
+                <a16:creationId xmlns:a16="http://schemas.microsoft.com/office/drawing/2014/main" id="{8778D13E-4D03-33C1-BF51-610117BB7EB3}"/>
               </a:ext>
             </a:extLst>
           </p:cNvPr>
-          <p:cNvPicPr>
-            <a:picLocks noChangeAspect="1"/>
-          </p:cNvPicPr>
-          <p:nvPr/>
-        </p:nvPicPr>
-        <p:blipFill>
-          <a:blip r:embed="rId2"/>
-          <a:stretch>
-            <a:fillRect/>
-          </a:stretch>
-        </p:blipFill>
-        <p:spPr>
-          <a:xfrm>
-            <a:off x="287093" y="334297"/>
-            <a:ext cx="3141593" cy="1565000"/>
-          </a:xfrm>
-          <a:prstGeom prst="rect">
-            <a:avLst/>
-          </a:prstGeom>
-          <a:effectLst>
-            <a:outerShdw blurRad="25400" dir="17880000">
-              <a:srgbClr val="000000">
-                <a:alpha val="46000"/>
-              </a:srgbClr>
-            </a:outerShdw>
-          </a:effectLst>
-        </p:spPr>
-      </p:pic>
-      <p:pic>
-        <p:nvPicPr>
-          <p:cNvPr id="11" name="Picture 10">
+          <p:cNvSpPr>
+            <a:spLocks noGrp="1"/>
+          </p:cNvSpPr>
+          <p:nvPr>
+            <p:ph type="title"/>
+          </p:nvPr>
+        </p:nvSpPr>
+        <p:spPr>
+          <a:xfrm>
+            <a:off x="913795" y="0"/>
+            <a:ext cx="10353762" cy="737419"/>
+          </a:xfrm>
+        </p:spPr>
+        <p:txBody>
+          <a:bodyPr/>
+          <a:lstStyle/>
+          <a:p>
+            <a:r>
+              <a:rPr lang="en-US" b="1" dirty="0">
+                <a:solidFill>
+                  <a:srgbClr val="0070C0"/>
+                </a:solidFill>
+              </a:rPr>
+              <a:t>Adding bootstrap &amp; Bootstrap icon</a:t>
+            </a:r>
+          </a:p>
+        </p:txBody>
+      </p:sp>
+      <p:sp>
+        <p:nvSpPr>
+          <p:cNvPr id="3" name="Content Placeholder 2">
             <a:extLst>
               <a:ext uri="{FF2B5EF4-FFF2-40B4-BE49-F238E27FC236}">
-                <a16:creationId xmlns:a16="http://schemas.microsoft.com/office/drawing/2014/main" id="{353EC381-3C7D-477D-7149-FEB84B36FF97}"/>
+                <a16:creationId xmlns:a16="http://schemas.microsoft.com/office/drawing/2014/main" id="{5C9C21FE-7EFF-39B9-60D6-6206D8DBF34A}"/>
               </a:ext>
             </a:extLst>
           </p:cNvPr>
-          <p:cNvPicPr>
-            <a:picLocks noChangeAspect="1"/>
-          </p:cNvPicPr>
-          <p:nvPr/>
-        </p:nvPicPr>
-        <p:blipFill>
-          <a:blip r:embed="rId3"/>
-          <a:stretch>
-            <a:fillRect/>
-          </a:stretch>
-        </p:blipFill>
-        <p:spPr>
-          <a:xfrm>
-            <a:off x="287093" y="2126682"/>
-            <a:ext cx="11019572" cy="1267447"/>
-          </a:xfrm>
-          <a:prstGeom prst="rect">
-            <a:avLst/>
-          </a:prstGeom>
-        </p:spPr>
-      </p:pic>
-      <p:pic>
-        <p:nvPicPr>
-          <p:cNvPr id="15" name="Picture 14">
-            <a:extLst>
-              <a:ext uri="{FF2B5EF4-FFF2-40B4-BE49-F238E27FC236}">
-                <a16:creationId xmlns:a16="http://schemas.microsoft.com/office/drawing/2014/main" id="{4633A0A3-A288-DD0A-5D7F-1B49AE151352}"/>
-              </a:ext>
-            </a:extLst>
-          </p:cNvPr>
-          <p:cNvPicPr>
-            <a:picLocks noChangeAspect="1"/>
-          </p:cNvPicPr>
-          <p:nvPr/>
-        </p:nvPicPr>
-        <p:blipFill>
-          <a:blip r:embed="rId4"/>
-          <a:stretch>
-            <a:fillRect/>
-          </a:stretch>
-        </p:blipFill>
-        <p:spPr>
-          <a:xfrm>
-            <a:off x="287094" y="4818181"/>
-            <a:ext cx="10430068" cy="2002942"/>
-          </a:xfrm>
-          <a:prstGeom prst="rect">
-            <a:avLst/>
-          </a:prstGeom>
-        </p:spPr>
-      </p:pic>
+          <p:cNvSpPr>
+            <a:spLocks noGrp="1"/>
+          </p:cNvSpPr>
+          <p:nvPr>
+            <p:ph idx="1"/>
+          </p:nvPr>
+        </p:nvSpPr>
+        <p:spPr>
+          <a:xfrm>
+            <a:off x="334296" y="737419"/>
+            <a:ext cx="11100619" cy="5456904"/>
+          </a:xfrm>
+        </p:spPr>
+        <p:txBody>
+          <a:bodyPr>
+            <a:normAutofit/>
+          </a:bodyPr>
+          <a:lstStyle/>
+          <a:p>
+            <a:r>
+              <a:rPr lang="en-US" sz="1800" b="1" dirty="0">
+                <a:solidFill>
+                  <a:srgbClr val="FFFF00"/>
+                </a:solidFill>
+              </a:rPr>
+              <a:t>ng</a:t>
+            </a:r>
+            <a:r>
+              <a:rPr lang="en-US" sz="1800" dirty="0"/>
+              <a:t> </a:t>
+            </a:r>
+            <a:r>
+              <a:rPr lang="en-US" sz="1800" b="1" dirty="0">
+                <a:solidFill>
+                  <a:srgbClr val="00B0F0"/>
+                </a:solidFill>
+              </a:rPr>
+              <a:t>add</a:t>
+            </a:r>
+            <a:r>
+              <a:rPr lang="en-US" sz="1800" dirty="0"/>
+              <a:t> </a:t>
+            </a:r>
+            <a:r>
+              <a:rPr lang="en-US" sz="1800" b="1" dirty="0">
+                <a:solidFill>
+                  <a:srgbClr val="00B050"/>
+                </a:solidFill>
+              </a:rPr>
+              <a:t>@ng-bootstrap/ng-bootstrap</a:t>
+            </a:r>
+            <a:r>
+              <a:rPr lang="en-US" sz="1800" dirty="0"/>
+              <a:t>  //</a:t>
+            </a:r>
+            <a:r>
+              <a:rPr lang="en-US" sz="1800" b="1" dirty="0"/>
+              <a:t>recommended, to use the component that need the JS code</a:t>
+            </a:r>
+          </a:p>
+          <a:p>
+            <a:r>
+              <a:rPr lang="en-US" sz="1800" b="1" dirty="0" err="1">
+                <a:solidFill>
+                  <a:srgbClr val="FFFF00"/>
+                </a:solidFill>
+              </a:rPr>
+              <a:t>npm</a:t>
+            </a:r>
+            <a:r>
+              <a:rPr lang="en-US" sz="1800" b="1" dirty="0"/>
+              <a:t> </a:t>
+            </a:r>
+            <a:r>
+              <a:rPr lang="en-US" sz="1800" b="1" dirty="0" err="1"/>
+              <a:t>i</a:t>
+            </a:r>
+            <a:r>
+              <a:rPr lang="en-US" sz="1800" b="1" dirty="0"/>
+              <a:t> @ng-bootstrap/ng-bootstrap  // like the above</a:t>
+            </a:r>
+          </a:p>
+          <a:p>
+            <a:r>
+              <a:rPr lang="en-US" sz="1800" b="1" dirty="0"/>
+              <a:t>at </a:t>
+            </a:r>
+            <a:r>
+              <a:rPr lang="en-US" sz="1800" b="1" dirty="0" err="1"/>
+              <a:t>angular.json</a:t>
+            </a:r>
+            <a:r>
+              <a:rPr lang="en-US" sz="1800" b="1" dirty="0"/>
+              <a:t> / at architect object / build object / options object</a:t>
+            </a:r>
+          </a:p>
+          <a:p>
+            <a:pPr lvl="1"/>
+            <a:r>
+              <a:rPr lang="en-US" sz="1600" b="1" dirty="0">
+                <a:solidFill>
+                  <a:srgbClr val="00B0F0"/>
+                </a:solidFill>
+              </a:rPr>
+              <a:t>at styles array</a:t>
+            </a:r>
+            <a:r>
+              <a:rPr lang="en-US" sz="1600" b="1" dirty="0"/>
+              <a:t>    -- "</a:t>
+            </a:r>
+            <a:r>
+              <a:rPr lang="en-US" sz="1600" b="1" dirty="0" err="1"/>
+              <a:t>node_modules</a:t>
+            </a:r>
+            <a:r>
+              <a:rPr lang="en-US" sz="1600" b="1" dirty="0"/>
+              <a:t>/bootstrap/</a:t>
+            </a:r>
+            <a:r>
+              <a:rPr lang="en-US" sz="1600" b="1" dirty="0" err="1"/>
+              <a:t>dist</a:t>
+            </a:r>
+            <a:r>
+              <a:rPr lang="en-US" sz="1600" b="1" dirty="0"/>
+              <a:t>/</a:t>
+            </a:r>
+            <a:r>
+              <a:rPr lang="en-US" sz="1600" b="1" dirty="0" err="1"/>
+              <a:t>css</a:t>
+            </a:r>
+            <a:r>
+              <a:rPr lang="en-US" sz="1600" b="1" dirty="0"/>
+              <a:t>/bootstrap.min.css",        // bootstrap CSS file</a:t>
+            </a:r>
+          </a:p>
+          <a:p>
+            <a:pPr lvl="1"/>
+            <a:r>
+              <a:rPr lang="en-US" sz="1600" b="1" dirty="0">
+                <a:solidFill>
+                  <a:srgbClr val="00B0F0"/>
+                </a:solidFill>
+              </a:rPr>
+              <a:t>at scripts array</a:t>
+            </a:r>
+            <a:r>
+              <a:rPr lang="en-US" sz="1600" b="1" dirty="0"/>
+              <a:t>  -- "</a:t>
+            </a:r>
+            <a:r>
+              <a:rPr lang="en-US" sz="1600" b="1" dirty="0" err="1"/>
+              <a:t>node_modules</a:t>
+            </a:r>
+            <a:r>
+              <a:rPr lang="en-US" sz="1600" b="1" dirty="0"/>
+              <a:t>/bootstrap/</a:t>
+            </a:r>
+            <a:r>
+              <a:rPr lang="en-US" sz="1600" b="1" dirty="0" err="1"/>
+              <a:t>dist</a:t>
+            </a:r>
+            <a:r>
+              <a:rPr lang="en-US" sz="1600" b="1" dirty="0"/>
+              <a:t>/</a:t>
+            </a:r>
+            <a:r>
+              <a:rPr lang="en-US" sz="1600" b="1" dirty="0" err="1"/>
+              <a:t>js</a:t>
+            </a:r>
+            <a:r>
+              <a:rPr lang="en-US" sz="1600" b="1" dirty="0"/>
+              <a:t>/bootstrap.bundle.min.js"  // bootstrap JS file</a:t>
+            </a:r>
+          </a:p>
+          <a:p>
+            <a:endParaRPr lang="en-US" sz="1800" b="1" dirty="0"/>
+          </a:p>
+          <a:p>
+            <a:r>
+              <a:rPr lang="en-US" sz="1800" b="1" dirty="0" err="1">
+                <a:solidFill>
+                  <a:srgbClr val="FFFF00"/>
+                </a:solidFill>
+              </a:rPr>
+              <a:t>npm</a:t>
+            </a:r>
+            <a:r>
+              <a:rPr lang="en-US" sz="1800" b="1" dirty="0"/>
+              <a:t> </a:t>
+            </a:r>
+            <a:r>
+              <a:rPr lang="en-US" sz="1800" b="1" dirty="0" err="1"/>
+              <a:t>i</a:t>
+            </a:r>
+            <a:r>
+              <a:rPr lang="en-US" sz="1800" b="1" dirty="0"/>
+              <a:t> </a:t>
+            </a:r>
+            <a:r>
+              <a:rPr lang="en-US" sz="1800" b="1" dirty="0">
+                <a:solidFill>
+                  <a:srgbClr val="00B050"/>
+                </a:solidFill>
+              </a:rPr>
+              <a:t>bootstrap-icons</a:t>
+            </a:r>
+          </a:p>
+          <a:p>
+            <a:pPr lvl="1"/>
+            <a:r>
+              <a:rPr lang="en-US" sz="1600" b="1" dirty="0">
+                <a:solidFill>
+                  <a:srgbClr val="00B0F0"/>
+                </a:solidFill>
+              </a:rPr>
+              <a:t>at style array</a:t>
+            </a:r>
+            <a:r>
+              <a:rPr lang="en-US" sz="1600" b="1" dirty="0"/>
+              <a:t> "</a:t>
+            </a:r>
+            <a:r>
+              <a:rPr lang="en-US" sz="1600" b="1" dirty="0" err="1"/>
+              <a:t>node_modules</a:t>
+            </a:r>
+            <a:r>
+              <a:rPr lang="en-US" sz="1600" b="1" dirty="0"/>
+              <a:t>/bootstrap-icons/font/bootstrap-icons.min.css"</a:t>
+            </a:r>
+          </a:p>
+          <a:p>
+            <a:pPr lvl="1"/>
+            <a:endParaRPr lang="en-US" sz="1600" b="1" dirty="0"/>
+          </a:p>
+          <a:p>
+            <a:endParaRPr lang="en-US" sz="1800" b="1" dirty="0"/>
+          </a:p>
+        </p:txBody>
+      </p:sp>
     </p:spTree>
     <p:extLst>
       <p:ext uri="{BB962C8B-B14F-4D97-AF65-F5344CB8AC3E}">
-        <p14:creationId xmlns:p14="http://schemas.microsoft.com/office/powerpoint/2010/main" val="3592595754"/>
+        <p14:creationId xmlns:p14="http://schemas.microsoft.com/office/powerpoint/2010/main" val="2094939905"/>
       </p:ext>
     </p:extLst>
   </p:cSld>
@@ -7598,6 +7944,534 @@
     <p:extLst>
       <p:ext uri="{BB962C8B-B14F-4D97-AF65-F5344CB8AC3E}">
         <p14:creationId xmlns:p14="http://schemas.microsoft.com/office/powerpoint/2010/main" val="3660417336"/>
+      </p:ext>
+    </p:extLst>
+  </p:cSld>
+  <p:clrMapOvr>
+    <a:masterClrMapping/>
+  </p:clrMapOvr>
+</p:sld>
+</file>
+
+<file path=ppt/slides/slide20.xml><?xml version="1.0" encoding="utf-8"?>
+<p:sld xmlns:a="http://schemas.openxmlformats.org/drawingml/2006/main" xmlns:r="http://schemas.openxmlformats.org/officeDocument/2006/relationships" xmlns:p="http://schemas.openxmlformats.org/presentationml/2006/main">
+  <p:cSld>
+    <p:spTree>
+      <p:nvGrpSpPr>
+        <p:cNvPr id="1" name=""/>
+        <p:cNvGrpSpPr/>
+        <p:nvPr/>
+      </p:nvGrpSpPr>
+      <p:grpSpPr>
+        <a:xfrm>
+          <a:off x="0" y="0"/>
+          <a:ext cx="0" cy="0"/>
+          <a:chOff x="0" y="0"/>
+          <a:chExt cx="0" cy="0"/>
+        </a:xfrm>
+      </p:grpSpPr>
+      <p:sp>
+        <p:nvSpPr>
+          <p:cNvPr id="2" name="Title 1">
+            <a:extLst>
+              <a:ext uri="{FF2B5EF4-FFF2-40B4-BE49-F238E27FC236}">
+                <a16:creationId xmlns:a16="http://schemas.microsoft.com/office/drawing/2014/main" id="{7DA78EBE-03FD-D8DE-35CF-1926B0CA385E}"/>
+              </a:ext>
+            </a:extLst>
+          </p:cNvPr>
+          <p:cNvSpPr>
+            <a:spLocks noGrp="1"/>
+          </p:cNvSpPr>
+          <p:nvPr>
+            <p:ph type="title"/>
+          </p:nvPr>
+        </p:nvSpPr>
+        <p:spPr>
+          <a:xfrm>
+            <a:off x="913795" y="0"/>
+            <a:ext cx="10353762" cy="688258"/>
+          </a:xfrm>
+        </p:spPr>
+        <p:txBody>
+          <a:bodyPr>
+            <a:normAutofit fontScale="90000"/>
+          </a:bodyPr>
+          <a:lstStyle/>
+          <a:p>
+            <a:r>
+              <a:rPr lang="en-US" b="1" dirty="0"/>
+              <a:t>Addin CSS file globally</a:t>
+            </a:r>
+          </a:p>
+        </p:txBody>
+      </p:sp>
+      <p:sp>
+        <p:nvSpPr>
+          <p:cNvPr id="3" name="Content Placeholder 2">
+            <a:extLst>
+              <a:ext uri="{FF2B5EF4-FFF2-40B4-BE49-F238E27FC236}">
+                <a16:creationId xmlns:a16="http://schemas.microsoft.com/office/drawing/2014/main" id="{0BA55FB4-19F2-A5D7-3E15-C94C5CEB2E1C}"/>
+              </a:ext>
+            </a:extLst>
+          </p:cNvPr>
+          <p:cNvSpPr>
+            <a:spLocks noGrp="1"/>
+          </p:cNvSpPr>
+          <p:nvPr>
+            <p:ph idx="1"/>
+          </p:nvPr>
+        </p:nvSpPr>
+        <p:spPr>
+          <a:xfrm>
+            <a:off x="245806" y="688258"/>
+            <a:ext cx="11749549" cy="5938683"/>
+          </a:xfrm>
+        </p:spPr>
+        <p:txBody>
+          <a:bodyPr/>
+          <a:lstStyle/>
+          <a:p>
+            <a:r>
+              <a:rPr lang="en-US" dirty="0"/>
+              <a:t>at </a:t>
+            </a:r>
+            <a:r>
+              <a:rPr lang="en-US" dirty="0" err="1"/>
+              <a:t>src</a:t>
+            </a:r>
+            <a:r>
+              <a:rPr lang="en-US" dirty="0"/>
+              <a:t> folder / </a:t>
+            </a:r>
+            <a:r>
+              <a:rPr lang="en-US" dirty="0" err="1"/>
+              <a:t>css</a:t>
+            </a:r>
+            <a:r>
+              <a:rPr lang="en-US" dirty="0"/>
+              <a:t> folder / css-extensions.css</a:t>
+            </a:r>
+          </a:p>
+          <a:p>
+            <a:r>
+              <a:rPr lang="en-US" b="1" dirty="0"/>
+              <a:t>at </a:t>
+            </a:r>
+            <a:r>
+              <a:rPr lang="en-US" b="1" dirty="0" err="1"/>
+              <a:t>angular.json</a:t>
+            </a:r>
+            <a:r>
+              <a:rPr lang="en-US" b="1" dirty="0"/>
+              <a:t> / at architect object / build object / options object</a:t>
+            </a:r>
+            <a:endParaRPr lang="en-US" dirty="0"/>
+          </a:p>
+          <a:p>
+            <a:pPr lvl="1"/>
+            <a:r>
+              <a:rPr lang="en-US" b="1" dirty="0">
+                <a:solidFill>
+                  <a:srgbClr val="00B0F0"/>
+                </a:solidFill>
+              </a:rPr>
+              <a:t>at styles array</a:t>
+            </a:r>
+            <a:r>
+              <a:rPr lang="en-US" b="1" dirty="0"/>
+              <a:t>    --- </a:t>
+            </a:r>
+            <a:r>
+              <a:rPr lang="en-US" dirty="0">
+                <a:effectLst/>
+              </a:rPr>
+              <a:t>"</a:t>
+            </a:r>
+            <a:r>
+              <a:rPr lang="en-US" dirty="0" err="1">
+                <a:effectLst/>
+              </a:rPr>
+              <a:t>src</a:t>
+            </a:r>
+            <a:r>
+              <a:rPr lang="en-US" dirty="0">
+                <a:effectLst/>
+              </a:rPr>
+              <a:t>/</a:t>
+            </a:r>
+            <a:r>
+              <a:rPr lang="en-US" dirty="0" err="1">
+                <a:effectLst/>
+              </a:rPr>
+              <a:t>css</a:t>
+            </a:r>
+            <a:r>
+              <a:rPr lang="en-US" dirty="0">
+                <a:effectLst/>
+              </a:rPr>
+              <a:t>/css-extension.css"</a:t>
+            </a:r>
+          </a:p>
+          <a:p>
+            <a:r>
+              <a:rPr lang="en-US" dirty="0"/>
+              <a:t>Adding styles via </a:t>
+            </a:r>
+            <a:r>
+              <a:rPr lang="en-US" b="1" dirty="0" err="1">
+                <a:effectLst/>
+              </a:rPr>
+              <a:t>angular.json</a:t>
+            </a:r>
+            <a:r>
+              <a:rPr lang="en-US" dirty="0">
+                <a:effectLst/>
+              </a:rPr>
+              <a:t> is generally faster and more reliable for your application's initial load and overall stability compared to using an external CDN link in index.html</a:t>
+            </a:r>
+          </a:p>
+          <a:p>
+            <a:r>
+              <a:rPr lang="en-US" b="1" dirty="0">
+                <a:effectLst/>
+              </a:rPr>
+              <a:t>Why </a:t>
+            </a:r>
+            <a:r>
+              <a:rPr lang="en-US" b="1" dirty="0" err="1">
+                <a:effectLst/>
+              </a:rPr>
+              <a:t>angular.json</a:t>
+            </a:r>
+            <a:r>
+              <a:rPr lang="en-US" b="1" dirty="0">
+                <a:effectLst/>
+              </a:rPr>
+              <a:t> is usually faster</a:t>
+            </a:r>
+          </a:p>
+          <a:p>
+            <a:pPr lvl="1"/>
+            <a:r>
+              <a:rPr lang="en-US" b="1" dirty="0">
+                <a:effectLst/>
+              </a:rPr>
+              <a:t>Reduced HTTP Requests</a:t>
+            </a:r>
+            <a:r>
+              <a:rPr lang="en-US" dirty="0">
+                <a:effectLst/>
+              </a:rPr>
+              <a:t>: When you add files to </a:t>
+            </a:r>
+            <a:r>
+              <a:rPr lang="en-US" dirty="0" err="1">
+                <a:effectLst/>
+              </a:rPr>
+              <a:t>angular.json</a:t>
+            </a:r>
+            <a:r>
+              <a:rPr lang="en-US" dirty="0">
+                <a:effectLst/>
+              </a:rPr>
+              <a:t>, the Angular CLI bundles them into a single (or few) minified CSS files. </a:t>
+            </a:r>
+            <a:r>
+              <a:rPr lang="en-US">
+                <a:effectLst/>
+              </a:rPr>
+              <a:t>The browser makes one request for your styles instead of multiple separate requests to different servers.</a:t>
+            </a:r>
+            <a:endParaRPr lang="en-US" dirty="0">
+              <a:effectLst/>
+            </a:endParaRPr>
+          </a:p>
+        </p:txBody>
+      </p:sp>
+    </p:spTree>
+    <p:extLst>
+      <p:ext uri="{BB962C8B-B14F-4D97-AF65-F5344CB8AC3E}">
+        <p14:creationId xmlns:p14="http://schemas.microsoft.com/office/powerpoint/2010/main" val="2733366995"/>
+      </p:ext>
+    </p:extLst>
+  </p:cSld>
+  <p:clrMapOvr>
+    <a:masterClrMapping/>
+  </p:clrMapOvr>
+</p:sld>
+</file>
+
+<file path=ppt/slides/slide21.xml><?xml version="1.0" encoding="utf-8"?>
+<p:sld xmlns:a="http://schemas.openxmlformats.org/drawingml/2006/main" xmlns:r="http://schemas.openxmlformats.org/officeDocument/2006/relationships" xmlns:p="http://schemas.openxmlformats.org/presentationml/2006/main">
+  <p:cSld>
+    <p:spTree>
+      <p:nvGrpSpPr>
+        <p:cNvPr id="1" name=""/>
+        <p:cNvGrpSpPr/>
+        <p:nvPr/>
+      </p:nvGrpSpPr>
+      <p:grpSpPr>
+        <a:xfrm>
+          <a:off x="0" y="0"/>
+          <a:ext cx="0" cy="0"/>
+          <a:chOff x="0" y="0"/>
+          <a:chExt cx="0" cy="0"/>
+        </a:xfrm>
+      </p:grpSpPr>
+      <p:sp>
+        <p:nvSpPr>
+          <p:cNvPr id="2" name="Title 1">
+            <a:extLst>
+              <a:ext uri="{FF2B5EF4-FFF2-40B4-BE49-F238E27FC236}">
+                <a16:creationId xmlns:a16="http://schemas.microsoft.com/office/drawing/2014/main" id="{FC437ED4-E69D-F586-0742-5D562697F98A}"/>
+              </a:ext>
+            </a:extLst>
+          </p:cNvPr>
+          <p:cNvSpPr>
+            <a:spLocks noGrp="1"/>
+          </p:cNvSpPr>
+          <p:nvPr>
+            <p:ph type="title"/>
+          </p:nvPr>
+        </p:nvSpPr>
+        <p:spPr>
+          <a:xfrm>
+            <a:off x="919119" y="2231922"/>
+            <a:ext cx="10353762" cy="1837659"/>
+          </a:xfrm>
+        </p:spPr>
+        <p:txBody>
+          <a:bodyPr>
+            <a:normAutofit/>
+          </a:bodyPr>
+          <a:lstStyle/>
+          <a:p>
+            <a:r>
+              <a:rPr lang="en-US" sz="6000" b="1" dirty="0">
+                <a:solidFill>
+                  <a:srgbClr val="FF0000"/>
+                </a:solidFill>
+              </a:rPr>
+              <a:t>Type Script</a:t>
+            </a:r>
+          </a:p>
+        </p:txBody>
+      </p:sp>
+    </p:spTree>
+    <p:extLst>
+      <p:ext uri="{BB962C8B-B14F-4D97-AF65-F5344CB8AC3E}">
+        <p14:creationId xmlns:p14="http://schemas.microsoft.com/office/powerpoint/2010/main" val="385122793"/>
+      </p:ext>
+    </p:extLst>
+  </p:cSld>
+  <p:clrMapOvr>
+    <a:masterClrMapping/>
+  </p:clrMapOvr>
+</p:sld>
+</file>
+
+<file path=ppt/slides/slide22.xml><?xml version="1.0" encoding="utf-8"?>
+<p:sld xmlns:a="http://schemas.openxmlformats.org/drawingml/2006/main" xmlns:r="http://schemas.openxmlformats.org/officeDocument/2006/relationships" xmlns:p="http://schemas.openxmlformats.org/presentationml/2006/main">
+  <p:cSld>
+    <p:spTree>
+      <p:nvGrpSpPr>
+        <p:cNvPr id="1" name=""/>
+        <p:cNvGrpSpPr/>
+        <p:nvPr/>
+      </p:nvGrpSpPr>
+      <p:grpSpPr>
+        <a:xfrm>
+          <a:off x="0" y="0"/>
+          <a:ext cx="0" cy="0"/>
+          <a:chOff x="0" y="0"/>
+          <a:chExt cx="0" cy="0"/>
+        </a:xfrm>
+      </p:grpSpPr>
+      <p:sp>
+        <p:nvSpPr>
+          <p:cNvPr id="2" name="Title 1">
+            <a:extLst>
+              <a:ext uri="{FF2B5EF4-FFF2-40B4-BE49-F238E27FC236}">
+                <a16:creationId xmlns:a16="http://schemas.microsoft.com/office/drawing/2014/main" id="{3F7DC102-74D5-6A5A-C16F-A6633D668E11}"/>
+              </a:ext>
+            </a:extLst>
+          </p:cNvPr>
+          <p:cNvSpPr>
+            <a:spLocks noGrp="1"/>
+          </p:cNvSpPr>
+          <p:nvPr>
+            <p:ph type="title"/>
+          </p:nvPr>
+        </p:nvSpPr>
+        <p:spPr>
+          <a:xfrm>
+            <a:off x="913795" y="0"/>
+            <a:ext cx="10353762" cy="668594"/>
+          </a:xfrm>
+        </p:spPr>
+        <p:txBody>
+          <a:bodyPr>
+            <a:normAutofit fontScale="90000"/>
+          </a:bodyPr>
+          <a:lstStyle/>
+          <a:p>
+            <a:r>
+              <a:rPr lang="en-US" b="1" dirty="0"/>
+              <a:t>Enum</a:t>
+            </a:r>
+          </a:p>
+        </p:txBody>
+      </p:sp>
+      <p:sp>
+        <p:nvSpPr>
+          <p:cNvPr id="9" name="Content Placeholder 8">
+            <a:extLst>
+              <a:ext uri="{FF2B5EF4-FFF2-40B4-BE49-F238E27FC236}">
+                <a16:creationId xmlns:a16="http://schemas.microsoft.com/office/drawing/2014/main" id="{4C153522-2A32-E7A7-CA2E-3619FCE51951}"/>
+              </a:ext>
+            </a:extLst>
+          </p:cNvPr>
+          <p:cNvSpPr>
+            <a:spLocks noGrp="1"/>
+          </p:cNvSpPr>
+          <p:nvPr>
+            <p:ph idx="1"/>
+          </p:nvPr>
+        </p:nvSpPr>
+        <p:spPr>
+          <a:xfrm>
+            <a:off x="287093" y="3437700"/>
+            <a:ext cx="11314972" cy="1153969"/>
+          </a:xfrm>
+        </p:spPr>
+        <p:txBody>
+          <a:bodyPr>
+            <a:normAutofit lnSpcReduction="10000"/>
+          </a:bodyPr>
+          <a:lstStyle/>
+          <a:p>
+            <a:r>
+              <a:rPr lang="en-US" dirty="0"/>
+              <a:t>note : Enums in TypeScript are technically objects where :</a:t>
+            </a:r>
+          </a:p>
+          <a:p>
+            <a:pPr lvl="1"/>
+            <a:r>
+              <a:rPr lang="en-US" dirty="0"/>
+              <a:t>Keys are strings.</a:t>
+            </a:r>
+          </a:p>
+          <a:p>
+            <a:pPr lvl="1"/>
+            <a:r>
+              <a:rPr lang="en-US" dirty="0"/>
+              <a:t>Values are numbers (if it's a numeric Enum) or strings (if it's a string Enum).</a:t>
+            </a:r>
+          </a:p>
+        </p:txBody>
+      </p:sp>
+      <p:pic>
+        <p:nvPicPr>
+          <p:cNvPr id="10" name="Content Placeholder 4">
+            <a:extLst>
+              <a:ext uri="{FF2B5EF4-FFF2-40B4-BE49-F238E27FC236}">
+                <a16:creationId xmlns:a16="http://schemas.microsoft.com/office/drawing/2014/main" id="{468FE5B5-EF94-C9D7-A34B-FF927FCCAD9C}"/>
+              </a:ext>
+            </a:extLst>
+          </p:cNvPr>
+          <p:cNvPicPr>
+            <a:picLocks noChangeAspect="1"/>
+          </p:cNvPicPr>
+          <p:nvPr/>
+        </p:nvPicPr>
+        <p:blipFill>
+          <a:blip r:embed="rId2"/>
+          <a:stretch>
+            <a:fillRect/>
+          </a:stretch>
+        </p:blipFill>
+        <p:spPr>
+          <a:xfrm>
+            <a:off x="287093" y="334297"/>
+            <a:ext cx="3141593" cy="1565000"/>
+          </a:xfrm>
+          <a:prstGeom prst="rect">
+            <a:avLst/>
+          </a:prstGeom>
+          <a:effectLst>
+            <a:outerShdw blurRad="25400" dir="17880000">
+              <a:srgbClr val="000000">
+                <a:alpha val="46000"/>
+              </a:srgbClr>
+            </a:outerShdw>
+          </a:effectLst>
+        </p:spPr>
+      </p:pic>
+      <p:pic>
+        <p:nvPicPr>
+          <p:cNvPr id="11" name="Picture 10">
+            <a:extLst>
+              <a:ext uri="{FF2B5EF4-FFF2-40B4-BE49-F238E27FC236}">
+                <a16:creationId xmlns:a16="http://schemas.microsoft.com/office/drawing/2014/main" id="{353EC381-3C7D-477D-7149-FEB84B36FF97}"/>
+              </a:ext>
+            </a:extLst>
+          </p:cNvPr>
+          <p:cNvPicPr>
+            <a:picLocks noChangeAspect="1"/>
+          </p:cNvPicPr>
+          <p:nvPr/>
+        </p:nvPicPr>
+        <p:blipFill>
+          <a:blip r:embed="rId3"/>
+          <a:stretch>
+            <a:fillRect/>
+          </a:stretch>
+        </p:blipFill>
+        <p:spPr>
+          <a:xfrm>
+            <a:off x="287093" y="2126682"/>
+            <a:ext cx="11019572" cy="1267447"/>
+          </a:xfrm>
+          <a:prstGeom prst="rect">
+            <a:avLst/>
+          </a:prstGeom>
+        </p:spPr>
+      </p:pic>
+      <p:pic>
+        <p:nvPicPr>
+          <p:cNvPr id="15" name="Picture 14">
+            <a:extLst>
+              <a:ext uri="{FF2B5EF4-FFF2-40B4-BE49-F238E27FC236}">
+                <a16:creationId xmlns:a16="http://schemas.microsoft.com/office/drawing/2014/main" id="{4633A0A3-A288-DD0A-5D7F-1B49AE151352}"/>
+              </a:ext>
+            </a:extLst>
+          </p:cNvPr>
+          <p:cNvPicPr>
+            <a:picLocks noChangeAspect="1"/>
+          </p:cNvPicPr>
+          <p:nvPr/>
+        </p:nvPicPr>
+        <p:blipFill>
+          <a:blip r:embed="rId4"/>
+          <a:stretch>
+            <a:fillRect/>
+          </a:stretch>
+        </p:blipFill>
+        <p:spPr>
+          <a:xfrm>
+            <a:off x="287094" y="4700192"/>
+            <a:ext cx="10430068" cy="2002942"/>
+          </a:xfrm>
+          <a:prstGeom prst="rect">
+            <a:avLst/>
+          </a:prstGeom>
+        </p:spPr>
+      </p:pic>
+    </p:spTree>
+    <p:extLst>
+      <p:ext uri="{BB962C8B-B14F-4D97-AF65-F5344CB8AC3E}">
+        <p14:creationId xmlns:p14="http://schemas.microsoft.com/office/powerpoint/2010/main" val="3592595754"/>
       </p:ext>
     </p:extLst>
   </p:cSld>

--- a/Angular & type script/Angular.pptx
+++ b/Angular & type script/Angular.pptx
@@ -7431,7 +7431,7 @@
         <p:spPr>
           <a:xfrm>
             <a:off x="194372" y="3143800"/>
-            <a:ext cx="11803256" cy="1821490"/>
+            <a:ext cx="11729041" cy="1810037"/>
           </a:xfrm>
           <a:prstGeom prst="rect">
             <a:avLst/>
@@ -7628,7 +7628,7 @@
         <p:spPr>
           <a:xfrm>
             <a:off x="334296" y="737419"/>
-            <a:ext cx="11100619" cy="5456904"/>
+            <a:ext cx="11472517" cy="5456904"/>
           </a:xfrm>
         </p:spPr>
         <p:txBody>
@@ -7717,7 +7717,7 @@
           <a:p>
             <a:pPr lvl="1"/>
             <a:r>
-              <a:rPr lang="en-US" sz="1600" b="1" dirty="0">
+              <a:rPr lang="en-US" b="1" dirty="0">
                 <a:solidFill>
                   <a:srgbClr val="00B0F0"/>
                 </a:solidFill>
@@ -7725,38 +7725,38 @@
               <a:t>at styles array</a:t>
             </a:r>
             <a:r>
-              <a:rPr lang="en-US" sz="1600" b="1" dirty="0"/>
+              <a:rPr lang="en-US" b="1" dirty="0"/>
               <a:t>    -- "</a:t>
             </a:r>
             <a:r>
-              <a:rPr lang="en-US" sz="1600" b="1" dirty="0" err="1"/>
+              <a:rPr lang="en-US" b="1" dirty="0" err="1"/>
               <a:t>node_modules</a:t>
             </a:r>
             <a:r>
-              <a:rPr lang="en-US" sz="1600" b="1" dirty="0"/>
+              <a:rPr lang="en-US" b="1" dirty="0"/>
               <a:t>/bootstrap/</a:t>
             </a:r>
             <a:r>
-              <a:rPr lang="en-US" sz="1600" b="1" dirty="0" err="1"/>
+              <a:rPr lang="en-US" b="1" dirty="0" err="1"/>
               <a:t>dist</a:t>
             </a:r>
             <a:r>
-              <a:rPr lang="en-US" sz="1600" b="1" dirty="0"/>
+              <a:rPr lang="en-US" b="1" dirty="0"/>
               <a:t>/</a:t>
             </a:r>
             <a:r>
-              <a:rPr lang="en-US" sz="1600" b="1" dirty="0" err="1"/>
+              <a:rPr lang="en-US" b="1" dirty="0" err="1"/>
               <a:t>css</a:t>
             </a:r>
             <a:r>
-              <a:rPr lang="en-US" sz="1600" b="1" dirty="0"/>
+              <a:rPr lang="en-US" b="1" dirty="0"/>
               <a:t>/bootstrap.min.css",        // bootstrap CSS file</a:t>
             </a:r>
           </a:p>
           <a:p>
             <a:pPr lvl="1"/>
             <a:r>
-              <a:rPr lang="en-US" sz="1600" b="1" dirty="0">
+              <a:rPr lang="en-US" b="1" dirty="0">
                 <a:solidFill>
                   <a:srgbClr val="00B0F0"/>
                 </a:solidFill>
@@ -7764,36 +7764,66 @@
               <a:t>at scripts array</a:t>
             </a:r>
             <a:r>
-              <a:rPr lang="en-US" sz="1600" b="1" dirty="0"/>
+              <a:rPr lang="en-US" b="1" dirty="0"/>
               <a:t>  -- "</a:t>
             </a:r>
             <a:r>
-              <a:rPr lang="en-US" sz="1600" b="1" dirty="0" err="1"/>
+              <a:rPr lang="en-US" b="1" dirty="0" err="1"/>
               <a:t>node_modules</a:t>
             </a:r>
             <a:r>
-              <a:rPr lang="en-US" sz="1600" b="1" dirty="0"/>
+              <a:rPr lang="en-US" b="1" dirty="0"/>
               <a:t>/bootstrap/</a:t>
             </a:r>
             <a:r>
-              <a:rPr lang="en-US" sz="1600" b="1" dirty="0" err="1"/>
+              <a:rPr lang="en-US" b="1" dirty="0" err="1"/>
               <a:t>dist</a:t>
             </a:r>
             <a:r>
-              <a:rPr lang="en-US" sz="1600" b="1" dirty="0"/>
+              <a:rPr lang="en-US" b="1" dirty="0"/>
               <a:t>/</a:t>
             </a:r>
             <a:r>
-              <a:rPr lang="en-US" sz="1600" b="1" dirty="0" err="1"/>
+              <a:rPr lang="en-US" b="1" dirty="0" err="1"/>
               <a:t>js</a:t>
             </a:r>
             <a:r>
-              <a:rPr lang="en-US" sz="1600" b="1" dirty="0"/>
+              <a:rPr lang="en-US" b="1" dirty="0"/>
               <a:t>/bootstrap.bundle.min.js"  // bootstrap JS file</a:t>
             </a:r>
           </a:p>
           <a:p>
-            <a:endParaRPr lang="en-US" sz="1800" b="1" dirty="0"/>
+            <a:r>
+              <a:rPr lang="en-US" sz="1800" b="1" dirty="0"/>
+              <a:t>For angular 17 , ng-bootstrap 16</a:t>
+            </a:r>
+            <a:r>
+              <a:rPr lang="en-US" sz="1800" dirty="0"/>
+              <a:t> → Stable</a:t>
+            </a:r>
+          </a:p>
+          <a:p>
+            <a:pPr lvl="1"/>
+            <a:r>
+              <a:rPr lang="en-US" b="1" dirty="0" err="1">
+                <a:solidFill>
+                  <a:srgbClr val="FFFF00"/>
+                </a:solidFill>
+              </a:rPr>
+              <a:t>npm</a:t>
+            </a:r>
+            <a:r>
+              <a:rPr lang="en-US" b="1" dirty="0"/>
+              <a:t> </a:t>
+            </a:r>
+            <a:r>
+              <a:rPr lang="en-US" b="1" dirty="0" err="1"/>
+              <a:t>i</a:t>
+            </a:r>
+            <a:r>
+              <a:rPr lang="en-US" b="1" dirty="0"/>
+              <a:t> @ng-bootstrap/ng-bootstrap</a:t>
+            </a:r>
           </a:p>
           <a:p>
             <a:r>
@@ -7828,7 +7858,7 @@
           <a:p>
             <a:pPr lvl="1"/>
             <a:r>
-              <a:rPr lang="en-US" sz="1600" b="1" dirty="0">
+              <a:rPr lang="en-US" b="1" dirty="0">
                 <a:solidFill>
                   <a:srgbClr val="00B0F0"/>
                 </a:solidFill>
@@ -7836,15 +7866,15 @@
               <a:t>at style array</a:t>
             </a:r>
             <a:r>
-              <a:rPr lang="en-US" sz="1600" b="1" dirty="0"/>
+              <a:rPr lang="en-US" b="1" dirty="0"/>
               <a:t> "</a:t>
             </a:r>
             <a:r>
-              <a:rPr lang="en-US" sz="1600" b="1" dirty="0" err="1"/>
+              <a:rPr lang="en-US" b="1" dirty="0" err="1"/>
               <a:t>node_modules</a:t>
             </a:r>
             <a:r>
-              <a:rPr lang="en-US" sz="1600" b="1" dirty="0"/>
+              <a:rPr lang="en-US" b="1" dirty="0"/>
               <a:t>/bootstrap-icons/font/bootstrap-icons.min.css"</a:t>
             </a:r>
           </a:p>
@@ -8023,8 +8053,8 @@
         </p:nvSpPr>
         <p:spPr>
           <a:xfrm>
-            <a:off x="245806" y="688258"/>
-            <a:ext cx="11749549" cy="5938683"/>
+            <a:off x="160774" y="688258"/>
+            <a:ext cx="11887200" cy="5938683"/>
           </a:xfrm>
         </p:spPr>
         <p:txBody>
@@ -8135,19 +8165,7 @@
               <a:rPr lang="en-US" b="1" dirty="0">
                 <a:effectLst/>
               </a:rPr>
-              <a:t>Why </a:t>
-            </a:r>
-            <a:r>
-              <a:rPr lang="en-US" b="1" dirty="0" err="1">
-                <a:effectLst/>
-              </a:rPr>
-              <a:t>angular.json</a:t>
-            </a:r>
-            <a:r>
-              <a:rPr lang="en-US" b="1" dirty="0">
-                <a:effectLst/>
-              </a:rPr>
-              <a:t> is usually faster</a:t>
+              <a:t>Why angular.json is usually faster</a:t>
             </a:r>
           </a:p>
           <a:p>
@@ -8162,27 +8180,16 @@
               <a:rPr lang="en-US" dirty="0">
                 <a:effectLst/>
               </a:rPr>
-              <a:t>: When you add files to </a:t>
-            </a:r>
-            <a:r>
-              <a:rPr lang="en-US" dirty="0" err="1">
-                <a:effectLst/>
-              </a:rPr>
-              <a:t>angular.json</a:t>
-            </a:r>
-            <a:r>
-              <a:rPr lang="en-US" dirty="0">
-                <a:effectLst/>
-              </a:rPr>
-              <a:t>, the Angular CLI bundles them into a single (or few) minified CSS files. </a:t>
-            </a:r>
-            <a:r>
-              <a:rPr lang="en-US">
-                <a:effectLst/>
-              </a:rPr>
-              <a:t>The browser makes one request for your styles instead of multiple separate requests to different servers.</a:t>
-            </a:r>
-            <a:endParaRPr lang="en-US" dirty="0">
+              <a:t>: When you add files to angular.json, the Angular CLI bundles them into a single (or few) minified CSS files. The browser makes one request for your styles instead of multiple separate requests to different servers.</a:t>
+            </a:r>
+          </a:p>
+          <a:p>
+            <a:endParaRPr lang="en-US" b="1" dirty="0">
+              <a:effectLst/>
+            </a:endParaRPr>
+          </a:p>
+          <a:p>
+            <a:endParaRPr lang="en-US" b="1" dirty="0">
               <a:effectLst/>
             </a:endParaRPr>
           </a:p>

--- a/Angular & type script/Angular.pptx
+++ b/Angular & type script/Angular.pptx
@@ -26,7 +26,10 @@
     <p:sldId id="275" r:id="rId20"/>
     <p:sldId id="277" r:id="rId21"/>
     <p:sldId id="269" r:id="rId22"/>
-    <p:sldId id="268" r:id="rId23"/>
+    <p:sldId id="278" r:id="rId23"/>
+    <p:sldId id="279" r:id="rId24"/>
+    <p:sldId id="280" r:id="rId25"/>
+    <p:sldId id="268" r:id="rId26"/>
   </p:sldIdLst>
   <p:sldSz cx="12192000" cy="6858000"/>
   <p:notesSz cx="6858000" cy="9144000"/>
@@ -318,7 +321,7 @@
           <a:p>
             <a:fld id="{BFD97FD3-0E3C-4940-AC08-248FE3BAAF7F}" type="datetimeFigureOut">
               <a:rPr lang="en-US" smtClean="0"/>
-              <a:t>2/10/2026</a:t>
+              <a:t>2/11/2026</a:t>
             </a:fld>
             <a:endParaRPr lang="en-US"/>
           </a:p>
@@ -616,7 +619,7 @@
           <a:p>
             <a:fld id="{BFD97FD3-0E3C-4940-AC08-248FE3BAAF7F}" type="datetimeFigureOut">
               <a:rPr lang="en-US" smtClean="0"/>
-              <a:t>2/10/2026</a:t>
+              <a:t>2/11/2026</a:t>
             </a:fld>
             <a:endParaRPr lang="en-US"/>
           </a:p>
@@ -808,7 +811,7 @@
           <a:p>
             <a:fld id="{BFD97FD3-0E3C-4940-AC08-248FE3BAAF7F}" type="datetimeFigureOut">
               <a:rPr lang="en-US" smtClean="0"/>
-              <a:t>2/10/2026</a:t>
+              <a:t>2/11/2026</a:t>
             </a:fld>
             <a:endParaRPr lang="en-US"/>
           </a:p>
@@ -1069,7 +1072,7 @@
           <a:p>
             <a:fld id="{BFD97FD3-0E3C-4940-AC08-248FE3BAAF7F}" type="datetimeFigureOut">
               <a:rPr lang="en-US" smtClean="0"/>
-              <a:t>2/10/2026</a:t>
+              <a:t>2/11/2026</a:t>
             </a:fld>
             <a:endParaRPr lang="en-US"/>
           </a:p>
@@ -1493,7 +1496,7 @@
           <a:p>
             <a:fld id="{BFD97FD3-0E3C-4940-AC08-248FE3BAAF7F}" type="datetimeFigureOut">
               <a:rPr lang="en-US" smtClean="0"/>
-              <a:t>2/10/2026</a:t>
+              <a:t>2/11/2026</a:t>
             </a:fld>
             <a:endParaRPr lang="en-US"/>
           </a:p>
@@ -2030,7 +2033,7 @@
           <a:p>
             <a:fld id="{BFD97FD3-0E3C-4940-AC08-248FE3BAAF7F}" type="datetimeFigureOut">
               <a:rPr lang="en-US" smtClean="0"/>
-              <a:t>2/10/2026</a:t>
+              <a:t>2/11/2026</a:t>
             </a:fld>
             <a:endParaRPr lang="en-US"/>
           </a:p>
@@ -2894,7 +2897,7 @@
           <a:p>
             <a:fld id="{BFD97FD3-0E3C-4940-AC08-248FE3BAAF7F}" type="datetimeFigureOut">
               <a:rPr lang="en-US" smtClean="0"/>
-              <a:t>2/10/2026</a:t>
+              <a:t>2/11/2026</a:t>
             </a:fld>
             <a:endParaRPr lang="en-US"/>
           </a:p>
@@ -3064,7 +3067,7 @@
           <a:p>
             <a:fld id="{BFD97FD3-0E3C-4940-AC08-248FE3BAAF7F}" type="datetimeFigureOut">
               <a:rPr lang="en-US" smtClean="0"/>
-              <a:t>2/10/2026</a:t>
+              <a:t>2/11/2026</a:t>
             </a:fld>
             <a:endParaRPr lang="en-US"/>
           </a:p>
@@ -3248,7 +3251,7 @@
           <a:p>
             <a:fld id="{BFD97FD3-0E3C-4940-AC08-248FE3BAAF7F}" type="datetimeFigureOut">
               <a:rPr lang="en-US" smtClean="0"/>
-              <a:t>2/10/2026</a:t>
+              <a:t>2/11/2026</a:t>
             </a:fld>
             <a:endParaRPr lang="en-US"/>
           </a:p>
@@ -3418,7 +3421,7 @@
           <a:p>
             <a:fld id="{BFD97FD3-0E3C-4940-AC08-248FE3BAAF7F}" type="datetimeFigureOut">
               <a:rPr lang="en-US" smtClean="0"/>
-              <a:t>2/10/2026</a:t>
+              <a:t>2/11/2026</a:t>
             </a:fld>
             <a:endParaRPr lang="en-US"/>
           </a:p>
@@ -3662,7 +3665,7 @@
           <a:p>
             <a:fld id="{BFD97FD3-0E3C-4940-AC08-248FE3BAAF7F}" type="datetimeFigureOut">
               <a:rPr lang="en-US" smtClean="0"/>
-              <a:t>2/10/2026</a:t>
+              <a:t>2/11/2026</a:t>
             </a:fld>
             <a:endParaRPr lang="en-US"/>
           </a:p>
@@ -3898,7 +3901,7 @@
           <a:p>
             <a:fld id="{BFD97FD3-0E3C-4940-AC08-248FE3BAAF7F}" type="datetimeFigureOut">
               <a:rPr lang="en-US" smtClean="0"/>
-              <a:t>2/10/2026</a:t>
+              <a:t>2/11/2026</a:t>
             </a:fld>
             <a:endParaRPr lang="en-US"/>
           </a:p>
@@ -4364,7 +4367,7 @@
           <a:p>
             <a:fld id="{BFD97FD3-0E3C-4940-AC08-248FE3BAAF7F}" type="datetimeFigureOut">
               <a:rPr lang="en-US" smtClean="0"/>
-              <a:t>2/10/2026</a:t>
+              <a:t>2/11/2026</a:t>
             </a:fld>
             <a:endParaRPr lang="en-US"/>
           </a:p>
@@ -4482,7 +4485,7 @@
           <a:p>
             <a:fld id="{BFD97FD3-0E3C-4940-AC08-248FE3BAAF7F}" type="datetimeFigureOut">
               <a:rPr lang="en-US" smtClean="0"/>
-              <a:t>2/10/2026</a:t>
+              <a:t>2/11/2026</a:t>
             </a:fld>
             <a:endParaRPr lang="en-US"/>
           </a:p>
@@ -4577,7 +4580,7 @@
           <a:p>
             <a:fld id="{BFD97FD3-0E3C-4940-AC08-248FE3BAAF7F}" type="datetimeFigureOut">
               <a:rPr lang="en-US" smtClean="0"/>
-              <a:t>2/10/2026</a:t>
+              <a:t>2/11/2026</a:t>
             </a:fld>
             <a:endParaRPr lang="en-US"/>
           </a:p>
@@ -4832,7 +4835,7 @@
           <a:p>
             <a:fld id="{BFD97FD3-0E3C-4940-AC08-248FE3BAAF7F}" type="datetimeFigureOut">
               <a:rPr lang="en-US" smtClean="0"/>
-              <a:t>2/10/2026</a:t>
+              <a:t>2/11/2026</a:t>
             </a:fld>
             <a:endParaRPr lang="en-US"/>
           </a:p>
@@ -5132,7 +5135,7 @@
           <a:p>
             <a:fld id="{BFD97FD3-0E3C-4940-AC08-248FE3BAAF7F}" type="datetimeFigureOut">
               <a:rPr lang="en-US" smtClean="0"/>
-              <a:t>2/10/2026</a:t>
+              <a:t>2/11/2026</a:t>
             </a:fld>
             <a:endParaRPr lang="en-US"/>
           </a:p>
@@ -5366,7 +5369,7 @@
           <a:p>
             <a:fld id="{BFD97FD3-0E3C-4940-AC08-248FE3BAAF7F}" type="datetimeFigureOut">
               <a:rPr lang="en-US" smtClean="0"/>
-              <a:t>2/10/2026</a:t>
+              <a:t>2/11/2026</a:t>
             </a:fld>
             <a:endParaRPr lang="en-US"/>
           </a:p>
@@ -8299,6 +8302,549 @@
           <p:cNvPr id="2" name="Title 1">
             <a:extLst>
               <a:ext uri="{FF2B5EF4-FFF2-40B4-BE49-F238E27FC236}">
+                <a16:creationId xmlns:a16="http://schemas.microsoft.com/office/drawing/2014/main" id="{02620882-3A74-F22D-A1A0-0891F4397F2A}"/>
+              </a:ext>
+            </a:extLst>
+          </p:cNvPr>
+          <p:cNvSpPr>
+            <a:spLocks noGrp="1"/>
+          </p:cNvSpPr>
+          <p:nvPr>
+            <p:ph type="title"/>
+          </p:nvPr>
+        </p:nvSpPr>
+        <p:spPr>
+          <a:xfrm>
+            <a:off x="913795" y="0"/>
+            <a:ext cx="10353762" cy="653143"/>
+          </a:xfrm>
+        </p:spPr>
+        <p:txBody>
+          <a:bodyPr>
+            <a:normAutofit fontScale="90000"/>
+          </a:bodyPr>
+          <a:lstStyle/>
+          <a:p>
+            <a:r>
+              <a:rPr lang="en-US" dirty="0"/>
+              <a:t>Create main layout </a:t>
+            </a:r>
+          </a:p>
+        </p:txBody>
+      </p:sp>
+      <p:sp>
+        <p:nvSpPr>
+          <p:cNvPr id="3" name="Content Placeholder 2">
+            <a:extLst>
+              <a:ext uri="{FF2B5EF4-FFF2-40B4-BE49-F238E27FC236}">
+                <a16:creationId xmlns:a16="http://schemas.microsoft.com/office/drawing/2014/main" id="{BF57AF94-85B5-5DEF-7C1D-6E5E758EEBC3}"/>
+              </a:ext>
+            </a:extLst>
+          </p:cNvPr>
+          <p:cNvSpPr>
+            <a:spLocks noGrp="1"/>
+          </p:cNvSpPr>
+          <p:nvPr>
+            <p:ph idx="1"/>
+          </p:nvPr>
+        </p:nvSpPr>
+        <p:spPr>
+          <a:xfrm>
+            <a:off x="130628" y="653143"/>
+            <a:ext cx="11585749" cy="6018962"/>
+          </a:xfrm>
+        </p:spPr>
+        <p:txBody>
+          <a:bodyPr/>
+          <a:lstStyle/>
+          <a:p>
+            <a:r>
+              <a:rPr lang="en-US" dirty="0"/>
+              <a:t>This layout has layout </a:t>
+            </a:r>
+            <a:r>
+              <a:rPr lang="en-US" sz="2400" b="1" dirty="0">
+                <a:solidFill>
+                  <a:srgbClr val="FFFF00"/>
+                </a:solidFill>
+              </a:rPr>
+              <a:t>header and sidebar </a:t>
+            </a:r>
+            <a:r>
+              <a:rPr lang="en-US" dirty="0"/>
+              <a:t>(</a:t>
+            </a:r>
+            <a:r>
+              <a:rPr lang="en-US" dirty="0" err="1"/>
+              <a:t>offcanvas</a:t>
+            </a:r>
+            <a:r>
+              <a:rPr lang="en-US" dirty="0"/>
+              <a:t> sidebar)</a:t>
+            </a:r>
+          </a:p>
+          <a:p>
+            <a:r>
+              <a:rPr lang="en-US" dirty="0"/>
+              <a:t>Create </a:t>
+            </a:r>
+            <a:r>
+              <a:rPr lang="en-US" b="1" dirty="0">
+                <a:solidFill>
+                  <a:srgbClr val="FF0000"/>
+                </a:solidFill>
+              </a:rPr>
+              <a:t>main-layout</a:t>
+            </a:r>
+            <a:r>
+              <a:rPr lang="en-US" dirty="0"/>
+              <a:t> components at app/Layouts folder</a:t>
+            </a:r>
+          </a:p>
+          <a:p>
+            <a:endParaRPr lang="en-US" dirty="0"/>
+          </a:p>
+          <a:p>
+            <a:endParaRPr lang="en-US" dirty="0"/>
+          </a:p>
+        </p:txBody>
+      </p:sp>
+      <p:pic>
+        <p:nvPicPr>
+          <p:cNvPr id="5" name="Picture 4">
+            <a:extLst>
+              <a:ext uri="{FF2B5EF4-FFF2-40B4-BE49-F238E27FC236}">
+                <a16:creationId xmlns:a16="http://schemas.microsoft.com/office/drawing/2014/main" id="{08FA0F56-935A-ABBE-E9A7-72E5F50A7678}"/>
+              </a:ext>
+            </a:extLst>
+          </p:cNvPr>
+          <p:cNvPicPr>
+            <a:picLocks noChangeAspect="1"/>
+          </p:cNvPicPr>
+          <p:nvPr/>
+        </p:nvPicPr>
+        <p:blipFill>
+          <a:blip r:embed="rId2"/>
+          <a:stretch>
+            <a:fillRect/>
+          </a:stretch>
+        </p:blipFill>
+        <p:spPr>
+          <a:xfrm>
+            <a:off x="130628" y="1578743"/>
+            <a:ext cx="4305300" cy="2124075"/>
+          </a:xfrm>
+          <a:prstGeom prst="rect">
+            <a:avLst/>
+          </a:prstGeom>
+        </p:spPr>
+      </p:pic>
+      <p:pic>
+        <p:nvPicPr>
+          <p:cNvPr id="7" name="Picture 6">
+            <a:extLst>
+              <a:ext uri="{FF2B5EF4-FFF2-40B4-BE49-F238E27FC236}">
+                <a16:creationId xmlns:a16="http://schemas.microsoft.com/office/drawing/2014/main" id="{6E9936B2-A3C4-42E4-7F25-02C4852D76E8}"/>
+              </a:ext>
+            </a:extLst>
+          </p:cNvPr>
+          <p:cNvPicPr>
+            <a:picLocks noChangeAspect="1"/>
+          </p:cNvPicPr>
+          <p:nvPr/>
+        </p:nvPicPr>
+        <p:blipFill>
+          <a:blip r:embed="rId3"/>
+          <a:stretch>
+            <a:fillRect/>
+          </a:stretch>
+        </p:blipFill>
+        <p:spPr>
+          <a:xfrm>
+            <a:off x="67724" y="3818111"/>
+            <a:ext cx="11993648" cy="2386746"/>
+          </a:xfrm>
+          <a:prstGeom prst="rect">
+            <a:avLst/>
+          </a:prstGeom>
+        </p:spPr>
+      </p:pic>
+    </p:spTree>
+    <p:extLst>
+      <p:ext uri="{BB962C8B-B14F-4D97-AF65-F5344CB8AC3E}">
+        <p14:creationId xmlns:p14="http://schemas.microsoft.com/office/powerpoint/2010/main" val="1153374815"/>
+      </p:ext>
+    </p:extLst>
+  </p:cSld>
+  <p:clrMapOvr>
+    <a:masterClrMapping/>
+  </p:clrMapOvr>
+</p:sld>
+</file>
+
+<file path=ppt/slides/slide23.xml><?xml version="1.0" encoding="utf-8"?>
+<p:sld xmlns:a="http://schemas.openxmlformats.org/drawingml/2006/main" xmlns:r="http://schemas.openxmlformats.org/officeDocument/2006/relationships" xmlns:p="http://schemas.openxmlformats.org/presentationml/2006/main">
+  <p:cSld>
+    <p:spTree>
+      <p:nvGrpSpPr>
+        <p:cNvPr id="1" name=""/>
+        <p:cNvGrpSpPr/>
+        <p:nvPr/>
+      </p:nvGrpSpPr>
+      <p:grpSpPr>
+        <a:xfrm>
+          <a:off x="0" y="0"/>
+          <a:ext cx="0" cy="0"/>
+          <a:chOff x="0" y="0"/>
+          <a:chExt cx="0" cy="0"/>
+        </a:xfrm>
+      </p:grpSpPr>
+      <p:sp>
+        <p:nvSpPr>
+          <p:cNvPr id="2" name="Title 1">
+            <a:extLst>
+              <a:ext uri="{FF2B5EF4-FFF2-40B4-BE49-F238E27FC236}">
+                <a16:creationId xmlns:a16="http://schemas.microsoft.com/office/drawing/2014/main" id="{E28C1D31-DB66-B772-1221-31330DBD652E}"/>
+              </a:ext>
+            </a:extLst>
+          </p:cNvPr>
+          <p:cNvSpPr>
+            <a:spLocks noGrp="1"/>
+          </p:cNvSpPr>
+          <p:nvPr>
+            <p:ph type="title"/>
+          </p:nvPr>
+        </p:nvSpPr>
+        <p:spPr>
+          <a:xfrm>
+            <a:off x="913795" y="42681"/>
+            <a:ext cx="10353762" cy="620510"/>
+          </a:xfrm>
+        </p:spPr>
+        <p:txBody>
+          <a:bodyPr>
+            <a:normAutofit/>
+          </a:bodyPr>
+          <a:lstStyle/>
+          <a:p>
+            <a:r>
+              <a:rPr lang="en-US" sz="3200" b="1" dirty="0"/>
+              <a:t>Create main layout  (cont.)</a:t>
+            </a:r>
+          </a:p>
+        </p:txBody>
+      </p:sp>
+      <p:sp>
+        <p:nvSpPr>
+          <p:cNvPr id="3" name="Content Placeholder 2">
+            <a:extLst>
+              <a:ext uri="{FF2B5EF4-FFF2-40B4-BE49-F238E27FC236}">
+                <a16:creationId xmlns:a16="http://schemas.microsoft.com/office/drawing/2014/main" id="{AFA2F1B2-E592-5489-A07A-D30131FE95DA}"/>
+              </a:ext>
+            </a:extLst>
+          </p:cNvPr>
+          <p:cNvSpPr>
+            <a:spLocks noGrp="1"/>
+          </p:cNvSpPr>
+          <p:nvPr>
+            <p:ph idx="1"/>
+          </p:nvPr>
+        </p:nvSpPr>
+        <p:spPr/>
+        <p:txBody>
+          <a:bodyPr/>
+          <a:lstStyle/>
+          <a:p>
+            <a:endParaRPr lang="en-US" dirty="0"/>
+          </a:p>
+          <a:p>
+            <a:endParaRPr lang="en-US" dirty="0"/>
+          </a:p>
+          <a:p>
+            <a:endParaRPr lang="en-US" dirty="0"/>
+          </a:p>
+          <a:p>
+            <a:endParaRPr lang="en-US" dirty="0"/>
+          </a:p>
+          <a:p>
+            <a:endParaRPr lang="en-US" dirty="0"/>
+          </a:p>
+          <a:p>
+            <a:endParaRPr lang="en-US" dirty="0"/>
+          </a:p>
+          <a:p>
+            <a:endParaRPr lang="en-US" dirty="0"/>
+          </a:p>
+          <a:p>
+            <a:endParaRPr lang="en-US" dirty="0"/>
+          </a:p>
+          <a:p>
+            <a:endParaRPr lang="en-US" dirty="0"/>
+          </a:p>
+        </p:txBody>
+      </p:sp>
+      <p:pic>
+        <p:nvPicPr>
+          <p:cNvPr id="5" name="Picture 4">
+            <a:extLst>
+              <a:ext uri="{FF2B5EF4-FFF2-40B4-BE49-F238E27FC236}">
+                <a16:creationId xmlns:a16="http://schemas.microsoft.com/office/drawing/2014/main" id="{21CF604B-F529-23DE-6DDA-1442997D1CE6}"/>
+              </a:ext>
+            </a:extLst>
+          </p:cNvPr>
+          <p:cNvPicPr>
+            <a:picLocks noChangeAspect="1"/>
+          </p:cNvPicPr>
+          <p:nvPr/>
+        </p:nvPicPr>
+        <p:blipFill>
+          <a:blip r:embed="rId2"/>
+          <a:stretch>
+            <a:fillRect/>
+          </a:stretch>
+        </p:blipFill>
+        <p:spPr>
+          <a:xfrm>
+            <a:off x="401934" y="803868"/>
+            <a:ext cx="11154129" cy="3808325"/>
+          </a:xfrm>
+          <a:prstGeom prst="rect">
+            <a:avLst/>
+          </a:prstGeom>
+        </p:spPr>
+      </p:pic>
+    </p:spTree>
+    <p:extLst>
+      <p:ext uri="{BB962C8B-B14F-4D97-AF65-F5344CB8AC3E}">
+        <p14:creationId xmlns:p14="http://schemas.microsoft.com/office/powerpoint/2010/main" val="584833622"/>
+      </p:ext>
+    </p:extLst>
+  </p:cSld>
+  <p:clrMapOvr>
+    <a:masterClrMapping/>
+  </p:clrMapOvr>
+</p:sld>
+</file>
+
+<file path=ppt/slides/slide24.xml><?xml version="1.0" encoding="utf-8"?>
+<p:sld xmlns:a="http://schemas.openxmlformats.org/drawingml/2006/main" xmlns:r="http://schemas.openxmlformats.org/officeDocument/2006/relationships" xmlns:p="http://schemas.openxmlformats.org/presentationml/2006/main">
+  <p:cSld>
+    <p:spTree>
+      <p:nvGrpSpPr>
+        <p:cNvPr id="1" name=""/>
+        <p:cNvGrpSpPr/>
+        <p:nvPr/>
+      </p:nvGrpSpPr>
+      <p:grpSpPr>
+        <a:xfrm>
+          <a:off x="0" y="0"/>
+          <a:ext cx="0" cy="0"/>
+          <a:chOff x="0" y="0"/>
+          <a:chExt cx="0" cy="0"/>
+        </a:xfrm>
+      </p:grpSpPr>
+      <p:sp>
+        <p:nvSpPr>
+          <p:cNvPr id="2" name="Title 1">
+            <a:extLst>
+              <a:ext uri="{FF2B5EF4-FFF2-40B4-BE49-F238E27FC236}">
+                <a16:creationId xmlns:a16="http://schemas.microsoft.com/office/drawing/2014/main" id="{D22BD241-91BC-982E-E8D8-DA059E13C029}"/>
+              </a:ext>
+            </a:extLst>
+          </p:cNvPr>
+          <p:cNvSpPr>
+            <a:spLocks noGrp="1"/>
+          </p:cNvSpPr>
+          <p:nvPr>
+            <p:ph type="title"/>
+          </p:nvPr>
+        </p:nvSpPr>
+        <p:spPr>
+          <a:xfrm>
+            <a:off x="913795" y="0"/>
+            <a:ext cx="10353762" cy="544310"/>
+          </a:xfrm>
+        </p:spPr>
+        <p:txBody>
+          <a:bodyPr>
+            <a:noAutofit/>
+          </a:bodyPr>
+          <a:lstStyle/>
+          <a:p>
+            <a:r>
+              <a:rPr lang="en-US" sz="3200" dirty="0"/>
+              <a:t>Layout [cont.]</a:t>
+            </a:r>
+          </a:p>
+        </p:txBody>
+      </p:sp>
+      <p:sp>
+        <p:nvSpPr>
+          <p:cNvPr id="3" name="Content Placeholder 2">
+            <a:extLst>
+              <a:ext uri="{FF2B5EF4-FFF2-40B4-BE49-F238E27FC236}">
+                <a16:creationId xmlns:a16="http://schemas.microsoft.com/office/drawing/2014/main" id="{F60292FF-FB71-EABA-22C8-49723B52D012}"/>
+              </a:ext>
+            </a:extLst>
+          </p:cNvPr>
+          <p:cNvSpPr>
+            <a:spLocks noGrp="1"/>
+          </p:cNvSpPr>
+          <p:nvPr>
+            <p:ph idx="1"/>
+          </p:nvPr>
+        </p:nvSpPr>
+        <p:spPr>
+          <a:xfrm>
+            <a:off x="913795" y="544310"/>
+            <a:ext cx="10353762" cy="5246891"/>
+          </a:xfrm>
+        </p:spPr>
+        <p:txBody>
+          <a:bodyPr/>
+          <a:lstStyle/>
+          <a:p>
+            <a:r>
+              <a:rPr lang="en-US" dirty="0"/>
+              <a:t>Create sidebar component at components folder</a:t>
+            </a:r>
+          </a:p>
+          <a:p>
+            <a:endParaRPr lang="en-US" dirty="0"/>
+          </a:p>
+          <a:p>
+            <a:endParaRPr lang="en-US" dirty="0"/>
+          </a:p>
+          <a:p>
+            <a:endParaRPr lang="en-US" dirty="0"/>
+          </a:p>
+        </p:txBody>
+      </p:sp>
+      <p:pic>
+        <p:nvPicPr>
+          <p:cNvPr id="5" name="Picture 4">
+            <a:extLst>
+              <a:ext uri="{FF2B5EF4-FFF2-40B4-BE49-F238E27FC236}">
+                <a16:creationId xmlns:a16="http://schemas.microsoft.com/office/drawing/2014/main" id="{5FEC7977-8DB6-5D26-4E6F-029EB9313555}"/>
+              </a:ext>
+            </a:extLst>
+          </p:cNvPr>
+          <p:cNvPicPr>
+            <a:picLocks noChangeAspect="1"/>
+          </p:cNvPicPr>
+          <p:nvPr/>
+        </p:nvPicPr>
+        <p:blipFill>
+          <a:blip r:embed="rId2"/>
+          <a:stretch>
+            <a:fillRect/>
+          </a:stretch>
+        </p:blipFill>
+        <p:spPr>
+          <a:xfrm>
+            <a:off x="0" y="968827"/>
+            <a:ext cx="7332109" cy="3844334"/>
+          </a:xfrm>
+          <a:prstGeom prst="rect">
+            <a:avLst/>
+          </a:prstGeom>
+        </p:spPr>
+      </p:pic>
+      <p:pic>
+        <p:nvPicPr>
+          <p:cNvPr id="7" name="Picture 6">
+            <a:extLst>
+              <a:ext uri="{FF2B5EF4-FFF2-40B4-BE49-F238E27FC236}">
+                <a16:creationId xmlns:a16="http://schemas.microsoft.com/office/drawing/2014/main" id="{97B2557A-5613-A7A6-6167-C88E6497C3C4}"/>
+              </a:ext>
+            </a:extLst>
+          </p:cNvPr>
+          <p:cNvPicPr>
+            <a:picLocks noChangeAspect="1"/>
+          </p:cNvPicPr>
+          <p:nvPr/>
+        </p:nvPicPr>
+        <p:blipFill>
+          <a:blip r:embed="rId3"/>
+          <a:stretch>
+            <a:fillRect/>
+          </a:stretch>
+        </p:blipFill>
+        <p:spPr>
+          <a:xfrm>
+            <a:off x="7332109" y="798004"/>
+            <a:ext cx="4774377" cy="3752248"/>
+          </a:xfrm>
+          <a:prstGeom prst="rect">
+            <a:avLst/>
+          </a:prstGeom>
+        </p:spPr>
+      </p:pic>
+      <p:pic>
+        <p:nvPicPr>
+          <p:cNvPr id="9" name="Picture 8">
+            <a:extLst>
+              <a:ext uri="{FF2B5EF4-FFF2-40B4-BE49-F238E27FC236}">
+                <a16:creationId xmlns:a16="http://schemas.microsoft.com/office/drawing/2014/main" id="{F5B8091C-F973-69E1-483C-A812643E422E}"/>
+              </a:ext>
+            </a:extLst>
+          </p:cNvPr>
+          <p:cNvPicPr>
+            <a:picLocks noChangeAspect="1"/>
+          </p:cNvPicPr>
+          <p:nvPr/>
+        </p:nvPicPr>
+        <p:blipFill>
+          <a:blip r:embed="rId4"/>
+          <a:stretch>
+            <a:fillRect/>
+          </a:stretch>
+        </p:blipFill>
+        <p:spPr>
+          <a:xfrm>
+            <a:off x="1750245" y="4813093"/>
+            <a:ext cx="4158186" cy="1956215"/>
+          </a:xfrm>
+          <a:prstGeom prst="rect">
+            <a:avLst/>
+          </a:prstGeom>
+        </p:spPr>
+      </p:pic>
+    </p:spTree>
+    <p:extLst>
+      <p:ext uri="{BB962C8B-B14F-4D97-AF65-F5344CB8AC3E}">
+        <p14:creationId xmlns:p14="http://schemas.microsoft.com/office/powerpoint/2010/main" val="3498281297"/>
+      </p:ext>
+    </p:extLst>
+  </p:cSld>
+  <p:clrMapOvr>
+    <a:masterClrMapping/>
+  </p:clrMapOvr>
+</p:sld>
+</file>
+
+<file path=ppt/slides/slide25.xml><?xml version="1.0" encoding="utf-8"?>
+<p:sld xmlns:a="http://schemas.openxmlformats.org/drawingml/2006/main" xmlns:r="http://schemas.openxmlformats.org/officeDocument/2006/relationships" xmlns:p="http://schemas.openxmlformats.org/presentationml/2006/main">
+  <p:cSld>
+    <p:spTree>
+      <p:nvGrpSpPr>
+        <p:cNvPr id="1" name=""/>
+        <p:cNvGrpSpPr/>
+        <p:nvPr/>
+      </p:nvGrpSpPr>
+      <p:grpSpPr>
+        <a:xfrm>
+          <a:off x="0" y="0"/>
+          <a:ext cx="0" cy="0"/>
+          <a:chOff x="0" y="0"/>
+          <a:chExt cx="0" cy="0"/>
+        </a:xfrm>
+      </p:grpSpPr>
+      <p:sp>
+        <p:nvSpPr>
+          <p:cNvPr id="2" name="Title 1">
+            <a:extLst>
+              <a:ext uri="{FF2B5EF4-FFF2-40B4-BE49-F238E27FC236}">
                 <a16:creationId xmlns:a16="http://schemas.microsoft.com/office/drawing/2014/main" id="{3F7DC102-74D5-6A5A-C16F-A6633D668E11}"/>
               </a:ext>
             </a:extLst>
